--- a/Bab 8 - PyQt.pptx
+++ b/Bab 8 - PyQt.pptx
@@ -5,7 +5,7 @@
     <p:sldMasterId id="2147483651" r:id="rId1"/>
   </p:sldMasterIdLst>
   <p:notesMasterIdLst>
-    <p:notesMasterId r:id="rId9"/>
+    <p:notesMasterId r:id="rId16"/>
   </p:notesMasterIdLst>
   <p:sldIdLst>
     <p:sldId id="256" r:id="rId2"/>
@@ -14,7 +14,14 @@
     <p:sldId id="258" r:id="rId5"/>
     <p:sldId id="260" r:id="rId6"/>
     <p:sldId id="261" r:id="rId7"/>
-    <p:sldId id="264" r:id="rId8"/>
+    <p:sldId id="266" r:id="rId8"/>
+    <p:sldId id="265" r:id="rId9"/>
+    <p:sldId id="267" r:id="rId10"/>
+    <p:sldId id="268" r:id="rId11"/>
+    <p:sldId id="269" r:id="rId12"/>
+    <p:sldId id="270" r:id="rId13"/>
+    <p:sldId id="272" r:id="rId14"/>
+    <p:sldId id="273" r:id="rId15"/>
   </p:sldIdLst>
   <p:sldSz cx="9144000" cy="5143500" type="screen16x9"/>
   <p:notesSz cx="6858000" cy="9144000"/>
@@ -4021,6 +4028,2383 @@
 </p:sld>
 </file>
 
+<file path=ppt/slides/slide10.xml><?xml version="1.0" encoding="utf-8"?>
+<p:sld xmlns:a="http://schemas.openxmlformats.org/drawingml/2006/main" xmlns:r="http://schemas.openxmlformats.org/officeDocument/2006/relationships" xmlns:p="http://schemas.openxmlformats.org/presentationml/2006/main">
+  <p:cSld>
+    <p:spTree>
+      <p:nvGrpSpPr>
+        <p:cNvPr id="1" name=""/>
+        <p:cNvGrpSpPr/>
+        <p:nvPr/>
+      </p:nvGrpSpPr>
+      <p:grpSpPr>
+        <a:xfrm>
+          <a:off x="0" y="0"/>
+          <a:ext cx="0" cy="0"/>
+          <a:chOff x="0" y="0"/>
+          <a:chExt cx="0" cy="0"/>
+        </a:xfrm>
+      </p:grpSpPr>
+      <p:sp>
+        <p:nvSpPr>
+          <p:cNvPr id="2" name="Title 1">
+            <a:extLst>
+              <a:ext uri="{FF2B5EF4-FFF2-40B4-BE49-F238E27FC236}">
+                <a16:creationId xmlns:a16="http://schemas.microsoft.com/office/drawing/2014/main" id="{6E9DEE78-86FC-71F5-312F-C34020ABC951}"/>
+              </a:ext>
+            </a:extLst>
+          </p:cNvPr>
+          <p:cNvSpPr>
+            <a:spLocks noGrp="1"/>
+          </p:cNvSpPr>
+          <p:nvPr>
+            <p:ph type="title"/>
+          </p:nvPr>
+        </p:nvSpPr>
+        <p:spPr/>
+        <p:txBody>
+          <a:bodyPr/>
+          <a:lstStyle/>
+          <a:p>
+            <a:endParaRPr lang="en-US"/>
+          </a:p>
+        </p:txBody>
+      </p:sp>
+      <p:sp>
+        <p:nvSpPr>
+          <p:cNvPr id="3" name="Text Placeholder 2">
+            <a:extLst>
+              <a:ext uri="{FF2B5EF4-FFF2-40B4-BE49-F238E27FC236}">
+                <a16:creationId xmlns:a16="http://schemas.microsoft.com/office/drawing/2014/main" id="{66E8849F-F957-A57F-5691-7943B94F4014}"/>
+              </a:ext>
+            </a:extLst>
+          </p:cNvPr>
+          <p:cNvSpPr>
+            <a:spLocks noGrp="1"/>
+          </p:cNvSpPr>
+          <p:nvPr>
+            <p:ph type="body" idx="1"/>
+          </p:nvPr>
+        </p:nvSpPr>
+        <p:spPr/>
+        <p:txBody>
+          <a:bodyPr/>
+          <a:lstStyle/>
+          <a:p>
+            <a:r>
+              <a:rPr lang="en-ID" b="1" i="0" dirty="0" err="1">
+                <a:solidFill>
+                  <a:schemeClr val="tx1"/>
+                </a:solidFill>
+                <a:effectLst/>
+                <a:latin typeface="Söhne"/>
+              </a:rPr>
+              <a:t>Menambahkan</a:t>
+            </a:r>
+            <a:r>
+              <a:rPr lang="en-ID" b="1" i="0" dirty="0">
+                <a:solidFill>
+                  <a:schemeClr val="tx1"/>
+                </a:solidFill>
+                <a:effectLst/>
+                <a:latin typeface="Söhne"/>
+              </a:rPr>
+              <a:t> Widget</a:t>
+            </a:r>
+            <a:r>
+              <a:rPr lang="en-ID" b="0" i="0" dirty="0">
+                <a:solidFill>
+                  <a:schemeClr val="tx1"/>
+                </a:solidFill>
+                <a:effectLst/>
+                <a:latin typeface="Söhne"/>
+              </a:rPr>
+              <a:t>: </a:t>
+            </a:r>
+            <a:r>
+              <a:rPr lang="en-ID" b="0" i="0" dirty="0" err="1">
+                <a:solidFill>
+                  <a:schemeClr val="tx1"/>
+                </a:solidFill>
+                <a:effectLst/>
+                <a:latin typeface="Söhne"/>
+              </a:rPr>
+              <a:t>Setelah</a:t>
+            </a:r>
+            <a:r>
+              <a:rPr lang="en-ID" b="0" i="0" dirty="0">
+                <a:solidFill>
+                  <a:schemeClr val="tx1"/>
+                </a:solidFill>
+                <a:effectLst/>
+                <a:latin typeface="Söhne"/>
+              </a:rPr>
+              <a:t> window </a:t>
+            </a:r>
+            <a:r>
+              <a:rPr lang="en-ID" b="0" i="0" dirty="0" err="1">
+                <a:solidFill>
+                  <a:schemeClr val="tx1"/>
+                </a:solidFill>
+                <a:effectLst/>
+                <a:latin typeface="Söhne"/>
+              </a:rPr>
+              <a:t>dibuat</a:t>
+            </a:r>
+            <a:r>
+              <a:rPr lang="en-ID" b="0" i="0" dirty="0">
+                <a:solidFill>
+                  <a:schemeClr val="tx1"/>
+                </a:solidFill>
+                <a:effectLst/>
+                <a:latin typeface="Söhne"/>
+              </a:rPr>
+              <a:t>, </a:t>
+            </a:r>
+            <a:r>
+              <a:rPr lang="en-ID" b="0" i="0" dirty="0" err="1">
+                <a:solidFill>
+                  <a:schemeClr val="tx1"/>
+                </a:solidFill>
+                <a:effectLst/>
+                <a:latin typeface="Söhne"/>
+              </a:rPr>
+              <a:t>kita</a:t>
+            </a:r>
+            <a:r>
+              <a:rPr lang="en-ID" b="0" i="0" dirty="0">
+                <a:solidFill>
+                  <a:schemeClr val="tx1"/>
+                </a:solidFill>
+                <a:effectLst/>
+                <a:latin typeface="Söhne"/>
+              </a:rPr>
+              <a:t> </a:t>
+            </a:r>
+            <a:r>
+              <a:rPr lang="en-ID" b="0" i="0" dirty="0" err="1">
+                <a:solidFill>
+                  <a:schemeClr val="tx1"/>
+                </a:solidFill>
+                <a:effectLst/>
+                <a:latin typeface="Söhne"/>
+              </a:rPr>
+              <a:t>bisa</a:t>
+            </a:r>
+            <a:r>
+              <a:rPr lang="en-ID" b="0" i="0" dirty="0">
+                <a:solidFill>
+                  <a:schemeClr val="tx1"/>
+                </a:solidFill>
+                <a:effectLst/>
+                <a:latin typeface="Söhne"/>
+              </a:rPr>
+              <a:t> </a:t>
+            </a:r>
+            <a:r>
+              <a:rPr lang="en-ID" b="0" i="0" dirty="0" err="1">
+                <a:solidFill>
+                  <a:schemeClr val="tx1"/>
+                </a:solidFill>
+                <a:effectLst/>
+                <a:latin typeface="Söhne"/>
+              </a:rPr>
+              <a:t>menambahkan</a:t>
+            </a:r>
+            <a:r>
+              <a:rPr lang="en-ID" b="0" i="0" dirty="0">
+                <a:solidFill>
+                  <a:schemeClr val="tx1"/>
+                </a:solidFill>
+                <a:effectLst/>
+                <a:latin typeface="Söhne"/>
+              </a:rPr>
+              <a:t> widget </a:t>
+            </a:r>
+            <a:r>
+              <a:rPr lang="en-ID" b="0" i="0" dirty="0" err="1">
+                <a:solidFill>
+                  <a:schemeClr val="tx1"/>
+                </a:solidFill>
+                <a:effectLst/>
+                <a:latin typeface="Söhne"/>
+              </a:rPr>
+              <a:t>ke</a:t>
+            </a:r>
+            <a:r>
+              <a:rPr lang="en-ID" b="0" i="0" dirty="0">
+                <a:solidFill>
+                  <a:schemeClr val="tx1"/>
+                </a:solidFill>
+                <a:effectLst/>
+                <a:latin typeface="Söhne"/>
+              </a:rPr>
+              <a:t> </a:t>
+            </a:r>
+            <a:r>
+              <a:rPr lang="en-ID" b="0" i="0" dirty="0" err="1">
+                <a:solidFill>
+                  <a:schemeClr val="tx1"/>
+                </a:solidFill>
+                <a:effectLst/>
+                <a:latin typeface="Söhne"/>
+              </a:rPr>
+              <a:t>dalamnya</a:t>
+            </a:r>
+            <a:endParaRPr lang="en-US" dirty="0">
+              <a:solidFill>
+                <a:schemeClr val="tx1"/>
+              </a:solidFill>
+            </a:endParaRPr>
+          </a:p>
+        </p:txBody>
+      </p:sp>
+      <p:pic>
+        <p:nvPicPr>
+          <p:cNvPr id="6" name="Picture 5">
+            <a:extLst>
+              <a:ext uri="{FF2B5EF4-FFF2-40B4-BE49-F238E27FC236}">
+                <a16:creationId xmlns:a16="http://schemas.microsoft.com/office/drawing/2014/main" id="{E026C55B-1139-EE49-50F6-AD0DBA61513E}"/>
+              </a:ext>
+            </a:extLst>
+          </p:cNvPr>
+          <p:cNvPicPr>
+            <a:picLocks noChangeAspect="1"/>
+          </p:cNvPicPr>
+          <p:nvPr/>
+        </p:nvPicPr>
+        <p:blipFill>
+          <a:blip r:embed="rId2"/>
+          <a:stretch>
+            <a:fillRect/>
+          </a:stretch>
+        </p:blipFill>
+        <p:spPr>
+          <a:xfrm>
+            <a:off x="771041" y="1817233"/>
+            <a:ext cx="7412064" cy="2807912"/>
+          </a:xfrm>
+          <a:prstGeom prst="rect">
+            <a:avLst/>
+          </a:prstGeom>
+        </p:spPr>
+      </p:pic>
+      <p:sp>
+        <p:nvSpPr>
+          <p:cNvPr id="7" name="Rectangle 6">
+            <a:extLst>
+              <a:ext uri="{FF2B5EF4-FFF2-40B4-BE49-F238E27FC236}">
+                <a16:creationId xmlns:a16="http://schemas.microsoft.com/office/drawing/2014/main" id="{3B19FB98-16E9-302F-B350-D0AA8D5FED75}"/>
+              </a:ext>
+            </a:extLst>
+          </p:cNvPr>
+          <p:cNvSpPr/>
+          <p:nvPr/>
+        </p:nvSpPr>
+        <p:spPr>
+          <a:xfrm>
+            <a:off x="1549828" y="3603356"/>
+            <a:ext cx="3153907" cy="488197"/>
+          </a:xfrm>
+          <a:prstGeom prst="rect">
+            <a:avLst/>
+          </a:prstGeom>
+          <a:noFill/>
+        </p:spPr>
+        <p:style>
+          <a:lnRef idx="2">
+            <a:schemeClr val="accent6"/>
+          </a:lnRef>
+          <a:fillRef idx="1">
+            <a:schemeClr val="lt1"/>
+          </a:fillRef>
+          <a:effectRef idx="0">
+            <a:schemeClr val="accent6"/>
+          </a:effectRef>
+          <a:fontRef idx="minor">
+            <a:schemeClr val="dk1"/>
+          </a:fontRef>
+        </p:style>
+        <p:txBody>
+          <a:bodyPr rtlCol="0" anchor="ctr"/>
+          <a:lstStyle/>
+          <a:p>
+            <a:pPr algn="ctr"/>
+            <a:endParaRPr lang="en-US"/>
+          </a:p>
+        </p:txBody>
+      </p:sp>
+    </p:spTree>
+    <p:extLst>
+      <p:ext uri="{BB962C8B-B14F-4D97-AF65-F5344CB8AC3E}">
+        <p14:creationId xmlns:p14="http://schemas.microsoft.com/office/powerpoint/2010/main" val="2390387872"/>
+      </p:ext>
+    </p:extLst>
+  </p:cSld>
+  <p:clrMapOvr>
+    <a:masterClrMapping/>
+  </p:clrMapOvr>
+</p:sld>
+</file>
+
+<file path=ppt/slides/slide11.xml><?xml version="1.0" encoding="utf-8"?>
+<p:sld xmlns:a="http://schemas.openxmlformats.org/drawingml/2006/main" xmlns:r="http://schemas.openxmlformats.org/officeDocument/2006/relationships" xmlns:p="http://schemas.openxmlformats.org/presentationml/2006/main">
+  <p:cSld>
+    <p:spTree>
+      <p:nvGrpSpPr>
+        <p:cNvPr id="1" name=""/>
+        <p:cNvGrpSpPr/>
+        <p:nvPr/>
+      </p:nvGrpSpPr>
+      <p:grpSpPr>
+        <a:xfrm>
+          <a:off x="0" y="0"/>
+          <a:ext cx="0" cy="0"/>
+          <a:chOff x="0" y="0"/>
+          <a:chExt cx="0" cy="0"/>
+        </a:xfrm>
+      </p:grpSpPr>
+      <p:sp>
+        <p:nvSpPr>
+          <p:cNvPr id="2" name="Title 1">
+            <a:extLst>
+              <a:ext uri="{FF2B5EF4-FFF2-40B4-BE49-F238E27FC236}">
+                <a16:creationId xmlns:a16="http://schemas.microsoft.com/office/drawing/2014/main" id="{49C0C6BC-87FC-514E-959C-274002E28110}"/>
+              </a:ext>
+            </a:extLst>
+          </p:cNvPr>
+          <p:cNvSpPr>
+            <a:spLocks noGrp="1"/>
+          </p:cNvSpPr>
+          <p:nvPr>
+            <p:ph type="title"/>
+          </p:nvPr>
+        </p:nvSpPr>
+        <p:spPr/>
+        <p:txBody>
+          <a:bodyPr/>
+          <a:lstStyle/>
+          <a:p>
+            <a:endParaRPr lang="en-US"/>
+          </a:p>
+        </p:txBody>
+      </p:sp>
+      <p:sp>
+        <p:nvSpPr>
+          <p:cNvPr id="3" name="Text Placeholder 2">
+            <a:extLst>
+              <a:ext uri="{FF2B5EF4-FFF2-40B4-BE49-F238E27FC236}">
+                <a16:creationId xmlns:a16="http://schemas.microsoft.com/office/drawing/2014/main" id="{2BDE67A3-E0A4-B559-94C8-8BF0460FC4F8}"/>
+              </a:ext>
+            </a:extLst>
+          </p:cNvPr>
+          <p:cNvSpPr>
+            <a:spLocks noGrp="1"/>
+          </p:cNvSpPr>
+          <p:nvPr>
+            <p:ph type="body" idx="1"/>
+          </p:nvPr>
+        </p:nvSpPr>
+        <p:spPr/>
+        <p:txBody>
+          <a:bodyPr/>
+          <a:lstStyle/>
+          <a:p>
+            <a:r>
+              <a:rPr lang="en-ID" b="1" i="0" dirty="0" err="1">
+                <a:solidFill>
+                  <a:schemeClr val="tx1"/>
+                </a:solidFill>
+                <a:effectLst/>
+                <a:latin typeface="Söhne"/>
+              </a:rPr>
+              <a:t>Menampilkan</a:t>
+            </a:r>
+            <a:r>
+              <a:rPr lang="en-ID" b="1" i="0" dirty="0">
+                <a:solidFill>
+                  <a:schemeClr val="tx1"/>
+                </a:solidFill>
+                <a:effectLst/>
+                <a:latin typeface="Söhne"/>
+              </a:rPr>
+              <a:t> Window</a:t>
+            </a:r>
+            <a:r>
+              <a:rPr lang="en-ID" b="0" i="0" dirty="0">
+                <a:solidFill>
+                  <a:schemeClr val="tx1"/>
+                </a:solidFill>
+                <a:effectLst/>
+                <a:latin typeface="Söhne"/>
+              </a:rPr>
+              <a:t>: </a:t>
+            </a:r>
+            <a:r>
+              <a:rPr lang="en-ID" b="0" i="0" dirty="0" err="1">
+                <a:solidFill>
+                  <a:schemeClr val="tx1"/>
+                </a:solidFill>
+                <a:effectLst/>
+                <a:latin typeface="Söhne"/>
+              </a:rPr>
+              <a:t>Setelah</a:t>
+            </a:r>
+            <a:r>
+              <a:rPr lang="en-ID" b="0" i="0" dirty="0">
+                <a:solidFill>
+                  <a:schemeClr val="tx1"/>
+                </a:solidFill>
+                <a:effectLst/>
+                <a:latin typeface="Söhne"/>
+              </a:rPr>
+              <a:t> </a:t>
+            </a:r>
+            <a:r>
+              <a:rPr lang="en-ID" b="0" i="0" dirty="0" err="1">
+                <a:solidFill>
+                  <a:schemeClr val="tx1"/>
+                </a:solidFill>
+                <a:effectLst/>
+                <a:latin typeface="Söhne"/>
+              </a:rPr>
+              <a:t>semua</a:t>
+            </a:r>
+            <a:r>
+              <a:rPr lang="en-ID" b="0" i="0" dirty="0">
+                <a:solidFill>
+                  <a:schemeClr val="tx1"/>
+                </a:solidFill>
+                <a:effectLst/>
+                <a:latin typeface="Söhne"/>
+              </a:rPr>
+              <a:t> widget </a:t>
+            </a:r>
+            <a:r>
+              <a:rPr lang="en-ID" b="0" i="0" dirty="0" err="1">
+                <a:solidFill>
+                  <a:schemeClr val="tx1"/>
+                </a:solidFill>
+                <a:effectLst/>
+                <a:latin typeface="Söhne"/>
+              </a:rPr>
+              <a:t>ditambahkan</a:t>
+            </a:r>
+            <a:r>
+              <a:rPr lang="en-ID" b="0" i="0" dirty="0">
+                <a:solidFill>
+                  <a:schemeClr val="tx1"/>
+                </a:solidFill>
+                <a:effectLst/>
+                <a:latin typeface="Söhne"/>
+              </a:rPr>
+              <a:t>, </a:t>
+            </a:r>
+            <a:r>
+              <a:rPr lang="en-ID" b="0" i="0" dirty="0" err="1">
+                <a:solidFill>
+                  <a:schemeClr val="tx1"/>
+                </a:solidFill>
+                <a:effectLst/>
+                <a:latin typeface="Söhne"/>
+              </a:rPr>
+              <a:t>kita</a:t>
+            </a:r>
+            <a:r>
+              <a:rPr lang="en-ID" b="0" i="0" dirty="0">
+                <a:solidFill>
+                  <a:schemeClr val="tx1"/>
+                </a:solidFill>
+                <a:effectLst/>
+                <a:latin typeface="Söhne"/>
+              </a:rPr>
+              <a:t> </a:t>
+            </a:r>
+            <a:r>
+              <a:rPr lang="en-ID" b="0" i="0" dirty="0" err="1">
+                <a:solidFill>
+                  <a:schemeClr val="tx1"/>
+                </a:solidFill>
+                <a:effectLst/>
+                <a:latin typeface="Söhne"/>
+              </a:rPr>
+              <a:t>bisa</a:t>
+            </a:r>
+            <a:r>
+              <a:rPr lang="en-ID" b="0" i="0" dirty="0">
+                <a:solidFill>
+                  <a:schemeClr val="tx1"/>
+                </a:solidFill>
+                <a:effectLst/>
+                <a:latin typeface="Söhne"/>
+              </a:rPr>
+              <a:t> </a:t>
+            </a:r>
+            <a:r>
+              <a:rPr lang="en-ID" b="0" i="0" dirty="0" err="1">
+                <a:solidFill>
+                  <a:schemeClr val="tx1"/>
+                </a:solidFill>
+                <a:effectLst/>
+                <a:latin typeface="Söhne"/>
+              </a:rPr>
+              <a:t>menampilkan</a:t>
+            </a:r>
+            <a:r>
+              <a:rPr lang="en-ID" b="0" i="0" dirty="0">
+                <a:solidFill>
+                  <a:schemeClr val="tx1"/>
+                </a:solidFill>
+                <a:effectLst/>
+                <a:latin typeface="Söhne"/>
+              </a:rPr>
+              <a:t> window </a:t>
+            </a:r>
+            <a:r>
+              <a:rPr lang="en-ID" b="0" i="0" dirty="0" err="1">
+                <a:solidFill>
+                  <a:schemeClr val="tx1"/>
+                </a:solidFill>
+                <a:effectLst/>
+                <a:latin typeface="Söhne"/>
+              </a:rPr>
+              <a:t>dengan</a:t>
+            </a:r>
+            <a:r>
+              <a:rPr lang="en-ID" b="0" i="0" dirty="0">
+                <a:solidFill>
+                  <a:schemeClr val="tx1"/>
+                </a:solidFill>
+                <a:effectLst/>
+                <a:latin typeface="Söhne"/>
+              </a:rPr>
+              <a:t> </a:t>
+            </a:r>
+            <a:r>
+              <a:rPr lang="en-ID" b="0" i="0" dirty="0" err="1">
+                <a:solidFill>
+                  <a:schemeClr val="tx1"/>
+                </a:solidFill>
+                <a:effectLst/>
+                <a:latin typeface="Söhne"/>
+              </a:rPr>
+              <a:t>memanggil</a:t>
+            </a:r>
+            <a:r>
+              <a:rPr lang="en-ID" b="0" i="0" dirty="0">
+                <a:solidFill>
+                  <a:schemeClr val="tx1"/>
+                </a:solidFill>
+                <a:effectLst/>
+                <a:latin typeface="Söhne"/>
+              </a:rPr>
+              <a:t> </a:t>
+            </a:r>
+            <a:r>
+              <a:rPr lang="en-ID" b="0" i="0" dirty="0" err="1">
+                <a:solidFill>
+                  <a:schemeClr val="tx1"/>
+                </a:solidFill>
+                <a:effectLst/>
+                <a:latin typeface="Söhne"/>
+              </a:rPr>
+              <a:t>metode</a:t>
+            </a:r>
+            <a:r>
+              <a:rPr lang="en-ID" b="0" i="0" dirty="0">
+                <a:solidFill>
+                  <a:schemeClr val="tx1"/>
+                </a:solidFill>
+                <a:effectLst/>
+                <a:latin typeface="Söhne"/>
+              </a:rPr>
+              <a:t> .show().</a:t>
+            </a:r>
+          </a:p>
+          <a:p>
+            <a:endParaRPr lang="en-US" dirty="0">
+              <a:solidFill>
+                <a:schemeClr val="tx1"/>
+              </a:solidFill>
+            </a:endParaRPr>
+          </a:p>
+        </p:txBody>
+      </p:sp>
+      <p:pic>
+        <p:nvPicPr>
+          <p:cNvPr id="4" name="Picture 3">
+            <a:extLst>
+              <a:ext uri="{FF2B5EF4-FFF2-40B4-BE49-F238E27FC236}">
+                <a16:creationId xmlns:a16="http://schemas.microsoft.com/office/drawing/2014/main" id="{85F9E1F6-1462-DDD9-73EC-362F0BD0B38D}"/>
+              </a:ext>
+            </a:extLst>
+          </p:cNvPr>
+          <p:cNvPicPr>
+            <a:picLocks noChangeAspect="1"/>
+          </p:cNvPicPr>
+          <p:nvPr/>
+        </p:nvPicPr>
+        <p:blipFill>
+          <a:blip r:embed="rId2"/>
+          <a:stretch>
+            <a:fillRect/>
+          </a:stretch>
+        </p:blipFill>
+        <p:spPr>
+          <a:xfrm>
+            <a:off x="1331789" y="1779955"/>
+            <a:ext cx="5699502" cy="2659238"/>
+          </a:xfrm>
+          <a:prstGeom prst="rect">
+            <a:avLst/>
+          </a:prstGeom>
+        </p:spPr>
+      </p:pic>
+      <p:sp>
+        <p:nvSpPr>
+          <p:cNvPr id="5" name="Rectangle 4">
+            <a:extLst>
+              <a:ext uri="{FF2B5EF4-FFF2-40B4-BE49-F238E27FC236}">
+                <a16:creationId xmlns:a16="http://schemas.microsoft.com/office/drawing/2014/main" id="{5120AF8D-FD8F-1400-F4A9-6E98BDCD92B4}"/>
+              </a:ext>
+            </a:extLst>
+          </p:cNvPr>
+          <p:cNvSpPr/>
+          <p:nvPr/>
+        </p:nvSpPr>
+        <p:spPr>
+          <a:xfrm>
+            <a:off x="1952785" y="3494868"/>
+            <a:ext cx="1960537" cy="348712"/>
+          </a:xfrm>
+          <a:prstGeom prst="rect">
+            <a:avLst/>
+          </a:prstGeom>
+          <a:noFill/>
+        </p:spPr>
+        <p:style>
+          <a:lnRef idx="2">
+            <a:schemeClr val="accent6"/>
+          </a:lnRef>
+          <a:fillRef idx="1">
+            <a:schemeClr val="lt1"/>
+          </a:fillRef>
+          <a:effectRef idx="0">
+            <a:schemeClr val="accent6"/>
+          </a:effectRef>
+          <a:fontRef idx="minor">
+            <a:schemeClr val="dk1"/>
+          </a:fontRef>
+        </p:style>
+        <p:txBody>
+          <a:bodyPr rtlCol="0" anchor="ctr"/>
+          <a:lstStyle/>
+          <a:p>
+            <a:pPr algn="ctr"/>
+            <a:endParaRPr lang="en-US"/>
+          </a:p>
+        </p:txBody>
+      </p:sp>
+    </p:spTree>
+    <p:extLst>
+      <p:ext uri="{BB962C8B-B14F-4D97-AF65-F5344CB8AC3E}">
+        <p14:creationId xmlns:p14="http://schemas.microsoft.com/office/powerpoint/2010/main" val="311857436"/>
+      </p:ext>
+    </p:extLst>
+  </p:cSld>
+  <p:clrMapOvr>
+    <a:masterClrMapping/>
+  </p:clrMapOvr>
+</p:sld>
+</file>
+
+<file path=ppt/slides/slide12.xml><?xml version="1.0" encoding="utf-8"?>
+<p:sld xmlns:a="http://schemas.openxmlformats.org/drawingml/2006/main" xmlns:r="http://schemas.openxmlformats.org/officeDocument/2006/relationships" xmlns:p="http://schemas.openxmlformats.org/presentationml/2006/main">
+  <p:cSld>
+    <p:spTree>
+      <p:nvGrpSpPr>
+        <p:cNvPr id="1" name=""/>
+        <p:cNvGrpSpPr/>
+        <p:nvPr/>
+      </p:nvGrpSpPr>
+      <p:grpSpPr>
+        <a:xfrm>
+          <a:off x="0" y="0"/>
+          <a:ext cx="0" cy="0"/>
+          <a:chOff x="0" y="0"/>
+          <a:chExt cx="0" cy="0"/>
+        </a:xfrm>
+      </p:grpSpPr>
+      <p:sp>
+        <p:nvSpPr>
+          <p:cNvPr id="2" name="Title 1">
+            <a:extLst>
+              <a:ext uri="{FF2B5EF4-FFF2-40B4-BE49-F238E27FC236}">
+                <a16:creationId xmlns:a16="http://schemas.microsoft.com/office/drawing/2014/main" id="{7C2F430D-B8B5-B218-B81D-AF6455ABA745}"/>
+              </a:ext>
+            </a:extLst>
+          </p:cNvPr>
+          <p:cNvSpPr>
+            <a:spLocks noGrp="1"/>
+          </p:cNvSpPr>
+          <p:nvPr>
+            <p:ph type="title"/>
+          </p:nvPr>
+        </p:nvSpPr>
+        <p:spPr/>
+        <p:txBody>
+          <a:bodyPr/>
+          <a:lstStyle/>
+          <a:p>
+            <a:endParaRPr lang="en-US"/>
+          </a:p>
+        </p:txBody>
+      </p:sp>
+      <p:sp>
+        <p:nvSpPr>
+          <p:cNvPr id="3" name="Text Placeholder 2">
+            <a:extLst>
+              <a:ext uri="{FF2B5EF4-FFF2-40B4-BE49-F238E27FC236}">
+                <a16:creationId xmlns:a16="http://schemas.microsoft.com/office/drawing/2014/main" id="{1F1A5B04-3196-21C7-B632-CFF9C161B1BA}"/>
+              </a:ext>
+            </a:extLst>
+          </p:cNvPr>
+          <p:cNvSpPr>
+            <a:spLocks noGrp="1"/>
+          </p:cNvSpPr>
+          <p:nvPr>
+            <p:ph type="body" idx="1"/>
+          </p:nvPr>
+        </p:nvSpPr>
+        <p:spPr/>
+        <p:txBody>
+          <a:bodyPr/>
+          <a:lstStyle/>
+          <a:p>
+            <a:r>
+              <a:rPr lang="en-ID" b="1" i="0" dirty="0" err="1">
+                <a:solidFill>
+                  <a:schemeClr val="tx1"/>
+                </a:solidFill>
+                <a:effectLst/>
+                <a:latin typeface="Söhne"/>
+              </a:rPr>
+              <a:t>Menambahkan</a:t>
+            </a:r>
+            <a:r>
+              <a:rPr lang="en-ID" b="1" i="0" dirty="0">
+                <a:solidFill>
+                  <a:schemeClr val="tx1"/>
+                </a:solidFill>
+                <a:effectLst/>
+                <a:latin typeface="Söhne"/>
+              </a:rPr>
+              <a:t> </a:t>
+            </a:r>
+            <a:r>
+              <a:rPr lang="en-ID" b="1" i="0" dirty="0" err="1">
+                <a:solidFill>
+                  <a:schemeClr val="tx1"/>
+                </a:solidFill>
+                <a:effectLst/>
+                <a:latin typeface="Söhne"/>
+              </a:rPr>
+              <a:t>Fungsionalitas</a:t>
+            </a:r>
+            <a:r>
+              <a:rPr lang="en-ID" b="0" i="0" dirty="0">
+                <a:solidFill>
+                  <a:schemeClr val="tx1"/>
+                </a:solidFill>
+                <a:effectLst/>
+                <a:latin typeface="Söhne"/>
+              </a:rPr>
+              <a:t>: </a:t>
+            </a:r>
+            <a:r>
+              <a:rPr lang="en-ID" b="0" i="0" dirty="0" err="1">
+                <a:solidFill>
+                  <a:schemeClr val="tx1"/>
+                </a:solidFill>
+                <a:effectLst/>
+                <a:latin typeface="Söhne"/>
+              </a:rPr>
+              <a:t>Untuk</a:t>
+            </a:r>
+            <a:r>
+              <a:rPr lang="en-ID" b="0" i="0" dirty="0">
+                <a:solidFill>
+                  <a:schemeClr val="tx1"/>
+                </a:solidFill>
+                <a:effectLst/>
+                <a:latin typeface="Söhne"/>
+              </a:rPr>
+              <a:t> </a:t>
+            </a:r>
+            <a:r>
+              <a:rPr lang="en-ID" b="0" i="0" dirty="0" err="1">
+                <a:solidFill>
+                  <a:schemeClr val="tx1"/>
+                </a:solidFill>
+                <a:effectLst/>
+                <a:latin typeface="Söhne"/>
+              </a:rPr>
+              <a:t>membuat</a:t>
+            </a:r>
+            <a:r>
+              <a:rPr lang="en-ID" b="0" i="0" dirty="0">
+                <a:solidFill>
+                  <a:schemeClr val="tx1"/>
+                </a:solidFill>
+                <a:effectLst/>
+                <a:latin typeface="Söhne"/>
+              </a:rPr>
+              <a:t> </a:t>
+            </a:r>
+            <a:r>
+              <a:rPr lang="en-ID" b="0" i="0" dirty="0" err="1">
+                <a:solidFill>
+                  <a:schemeClr val="tx1"/>
+                </a:solidFill>
+                <a:effectLst/>
+                <a:latin typeface="Söhne"/>
+              </a:rPr>
+              <a:t>aplikasi</a:t>
+            </a:r>
+            <a:r>
+              <a:rPr lang="en-ID" b="0" i="0" dirty="0">
+                <a:solidFill>
+                  <a:schemeClr val="tx1"/>
+                </a:solidFill>
+                <a:effectLst/>
+                <a:latin typeface="Söhne"/>
+              </a:rPr>
+              <a:t> </a:t>
+            </a:r>
+            <a:r>
+              <a:rPr lang="en-ID" b="0" i="0" dirty="0" err="1">
+                <a:solidFill>
+                  <a:schemeClr val="tx1"/>
+                </a:solidFill>
+                <a:effectLst/>
+                <a:latin typeface="Söhne"/>
+              </a:rPr>
+              <a:t>lebih</a:t>
+            </a:r>
+            <a:r>
+              <a:rPr lang="en-ID" b="0" i="0" dirty="0">
+                <a:solidFill>
+                  <a:schemeClr val="tx1"/>
+                </a:solidFill>
+                <a:effectLst/>
+                <a:latin typeface="Söhne"/>
+              </a:rPr>
+              <a:t> </a:t>
+            </a:r>
+            <a:r>
+              <a:rPr lang="en-ID" b="0" i="0" dirty="0" err="1">
+                <a:solidFill>
+                  <a:schemeClr val="tx1"/>
+                </a:solidFill>
+                <a:effectLst/>
+                <a:latin typeface="Söhne"/>
+              </a:rPr>
+              <a:t>interaktif</a:t>
+            </a:r>
+            <a:r>
+              <a:rPr lang="en-ID" b="0" i="0" dirty="0">
+                <a:solidFill>
+                  <a:schemeClr val="tx1"/>
+                </a:solidFill>
+                <a:effectLst/>
+                <a:latin typeface="Söhne"/>
+              </a:rPr>
+              <a:t>, </a:t>
+            </a:r>
+            <a:r>
+              <a:rPr lang="en-ID" b="0" i="0" dirty="0" err="1">
+                <a:solidFill>
+                  <a:schemeClr val="tx1"/>
+                </a:solidFill>
+                <a:effectLst/>
+                <a:latin typeface="Söhne"/>
+              </a:rPr>
+              <a:t>kita</a:t>
+            </a:r>
+            <a:r>
+              <a:rPr lang="en-ID" b="0" i="0" dirty="0">
+                <a:solidFill>
+                  <a:schemeClr val="tx1"/>
+                </a:solidFill>
+                <a:effectLst/>
+                <a:latin typeface="Söhne"/>
+              </a:rPr>
+              <a:t> </a:t>
+            </a:r>
+            <a:r>
+              <a:rPr lang="en-ID" b="0" i="0" dirty="0" err="1">
+                <a:solidFill>
+                  <a:schemeClr val="tx1"/>
+                </a:solidFill>
+                <a:effectLst/>
+                <a:latin typeface="Söhne"/>
+              </a:rPr>
+              <a:t>bisa</a:t>
+            </a:r>
+            <a:r>
+              <a:rPr lang="en-ID" b="0" i="0" dirty="0">
+                <a:solidFill>
+                  <a:schemeClr val="tx1"/>
+                </a:solidFill>
+                <a:effectLst/>
+                <a:latin typeface="Söhne"/>
+              </a:rPr>
+              <a:t> </a:t>
+            </a:r>
+            <a:r>
+              <a:rPr lang="en-ID" b="0" i="0" dirty="0" err="1">
+                <a:solidFill>
+                  <a:schemeClr val="tx1"/>
+                </a:solidFill>
+                <a:effectLst/>
+                <a:latin typeface="Söhne"/>
+              </a:rPr>
+              <a:t>menambahkan</a:t>
+            </a:r>
+            <a:r>
+              <a:rPr lang="en-ID" b="0" i="0" dirty="0">
+                <a:solidFill>
+                  <a:schemeClr val="tx1"/>
+                </a:solidFill>
+                <a:effectLst/>
+                <a:latin typeface="Söhne"/>
+              </a:rPr>
+              <a:t> </a:t>
+            </a:r>
+            <a:r>
+              <a:rPr lang="en-ID" b="0" i="0" dirty="0" err="1">
+                <a:solidFill>
+                  <a:schemeClr val="tx1"/>
+                </a:solidFill>
+                <a:effectLst/>
+                <a:latin typeface="Söhne"/>
+              </a:rPr>
+              <a:t>fungsionalitas</a:t>
+            </a:r>
+            <a:r>
+              <a:rPr lang="en-ID" b="0" i="0" dirty="0">
+                <a:solidFill>
+                  <a:schemeClr val="tx1"/>
+                </a:solidFill>
+                <a:effectLst/>
+                <a:latin typeface="Söhne"/>
+              </a:rPr>
+              <a:t> </a:t>
+            </a:r>
+            <a:r>
+              <a:rPr lang="en-ID" b="0" i="0" dirty="0" err="1">
+                <a:solidFill>
+                  <a:schemeClr val="tx1"/>
+                </a:solidFill>
+                <a:effectLst/>
+                <a:latin typeface="Söhne"/>
+              </a:rPr>
+              <a:t>ke</a:t>
+            </a:r>
+            <a:r>
+              <a:rPr lang="en-ID" b="0" i="0" dirty="0">
+                <a:solidFill>
+                  <a:schemeClr val="tx1"/>
+                </a:solidFill>
+                <a:effectLst/>
+                <a:latin typeface="Söhne"/>
+              </a:rPr>
+              <a:t> widget</a:t>
+            </a:r>
+            <a:endParaRPr lang="en-US" dirty="0">
+              <a:solidFill>
+                <a:schemeClr val="tx1"/>
+              </a:solidFill>
+            </a:endParaRPr>
+          </a:p>
+        </p:txBody>
+      </p:sp>
+      <p:pic>
+        <p:nvPicPr>
+          <p:cNvPr id="4" name="Picture 3">
+            <a:extLst>
+              <a:ext uri="{FF2B5EF4-FFF2-40B4-BE49-F238E27FC236}">
+                <a16:creationId xmlns:a16="http://schemas.microsoft.com/office/drawing/2014/main" id="{82D3CD8C-AF55-333C-2354-D87E1C83D728}"/>
+              </a:ext>
+            </a:extLst>
+          </p:cNvPr>
+          <p:cNvPicPr>
+            <a:picLocks noChangeAspect="1"/>
+          </p:cNvPicPr>
+          <p:nvPr/>
+        </p:nvPicPr>
+        <p:blipFill>
+          <a:blip r:embed="rId2"/>
+          <a:stretch>
+            <a:fillRect/>
+          </a:stretch>
+        </p:blipFill>
+        <p:spPr>
+          <a:xfrm>
+            <a:off x="276554" y="1675296"/>
+            <a:ext cx="5908729" cy="2806293"/>
+          </a:xfrm>
+          <a:prstGeom prst="rect">
+            <a:avLst/>
+          </a:prstGeom>
+        </p:spPr>
+      </p:pic>
+      <p:sp>
+        <p:nvSpPr>
+          <p:cNvPr id="5" name="Rectangle 4">
+            <a:extLst>
+              <a:ext uri="{FF2B5EF4-FFF2-40B4-BE49-F238E27FC236}">
+                <a16:creationId xmlns:a16="http://schemas.microsoft.com/office/drawing/2014/main" id="{9C201820-9B5E-9B83-0FDA-E2D98F6037ED}"/>
+              </a:ext>
+            </a:extLst>
+          </p:cNvPr>
+          <p:cNvSpPr/>
+          <p:nvPr/>
+        </p:nvSpPr>
+        <p:spPr>
+          <a:xfrm>
+            <a:off x="879050" y="3453302"/>
+            <a:ext cx="4703735" cy="214181"/>
+          </a:xfrm>
+          <a:prstGeom prst="rect">
+            <a:avLst/>
+          </a:prstGeom>
+          <a:noFill/>
+        </p:spPr>
+        <p:style>
+          <a:lnRef idx="2">
+            <a:schemeClr val="accent6"/>
+          </a:lnRef>
+          <a:fillRef idx="1">
+            <a:schemeClr val="lt1"/>
+          </a:fillRef>
+          <a:effectRef idx="0">
+            <a:schemeClr val="accent6"/>
+          </a:effectRef>
+          <a:fontRef idx="minor">
+            <a:schemeClr val="dk1"/>
+          </a:fontRef>
+        </p:style>
+        <p:txBody>
+          <a:bodyPr rtlCol="0" anchor="ctr"/>
+          <a:lstStyle/>
+          <a:p>
+            <a:pPr algn="ctr"/>
+            <a:endParaRPr lang="en-US"/>
+          </a:p>
+        </p:txBody>
+      </p:sp>
+      <p:sp>
+        <p:nvSpPr>
+          <p:cNvPr id="6" name="Rectangle 5">
+            <a:extLst>
+              <a:ext uri="{FF2B5EF4-FFF2-40B4-BE49-F238E27FC236}">
+                <a16:creationId xmlns:a16="http://schemas.microsoft.com/office/drawing/2014/main" id="{CE41D532-06F8-6233-46A0-631CA18AEB0C}"/>
+              </a:ext>
+            </a:extLst>
+          </p:cNvPr>
+          <p:cNvSpPr/>
+          <p:nvPr/>
+        </p:nvSpPr>
+        <p:spPr>
+          <a:xfrm>
+            <a:off x="886798" y="2532288"/>
+            <a:ext cx="4703735" cy="432252"/>
+          </a:xfrm>
+          <a:prstGeom prst="rect">
+            <a:avLst/>
+          </a:prstGeom>
+          <a:noFill/>
+        </p:spPr>
+        <p:style>
+          <a:lnRef idx="2">
+            <a:schemeClr val="accent6"/>
+          </a:lnRef>
+          <a:fillRef idx="1">
+            <a:schemeClr val="lt1"/>
+          </a:fillRef>
+          <a:effectRef idx="0">
+            <a:schemeClr val="accent6"/>
+          </a:effectRef>
+          <a:fontRef idx="minor">
+            <a:schemeClr val="dk1"/>
+          </a:fontRef>
+        </p:style>
+        <p:txBody>
+          <a:bodyPr rtlCol="0" anchor="ctr"/>
+          <a:lstStyle/>
+          <a:p>
+            <a:pPr algn="ctr"/>
+            <a:endParaRPr lang="en-US"/>
+          </a:p>
+        </p:txBody>
+      </p:sp>
+      <p:sp>
+        <p:nvSpPr>
+          <p:cNvPr id="7" name="TextBox 6">
+            <a:extLst>
+              <a:ext uri="{FF2B5EF4-FFF2-40B4-BE49-F238E27FC236}">
+                <a16:creationId xmlns:a16="http://schemas.microsoft.com/office/drawing/2014/main" id="{715D1BDC-3AC8-25D5-12CB-8E474CC7EF9D}"/>
+              </a:ext>
+            </a:extLst>
+          </p:cNvPr>
+          <p:cNvSpPr txBox="1"/>
+          <p:nvPr/>
+        </p:nvSpPr>
+        <p:spPr>
+          <a:xfrm>
+            <a:off x="6313889" y="2404857"/>
+            <a:ext cx="1951061" cy="1815882"/>
+          </a:xfrm>
+          <a:prstGeom prst="rect">
+            <a:avLst/>
+          </a:prstGeom>
+          <a:noFill/>
+        </p:spPr>
+        <p:txBody>
+          <a:bodyPr wrap="square" rtlCol="0">
+            <a:spAutoFit/>
+          </a:bodyPr>
+          <a:lstStyle/>
+          <a:p>
+            <a:r>
+              <a:rPr lang="en-ID" b="0" i="0" dirty="0" err="1">
+                <a:solidFill>
+                  <a:schemeClr val="tx1"/>
+                </a:solidFill>
+                <a:effectLst/>
+                <a:latin typeface="Söhne"/>
+              </a:rPr>
+              <a:t>fungsi</a:t>
+            </a:r>
+            <a:r>
+              <a:rPr lang="en-ID" b="0" i="0" dirty="0">
+                <a:solidFill>
+                  <a:schemeClr val="tx1"/>
+                </a:solidFill>
+                <a:effectLst/>
+                <a:latin typeface="Söhne"/>
+              </a:rPr>
+              <a:t> </a:t>
+            </a:r>
+            <a:r>
+              <a:rPr lang="en-ID" dirty="0" err="1">
+                <a:solidFill>
+                  <a:schemeClr val="tx1"/>
+                </a:solidFill>
+              </a:rPr>
+              <a:t>show_message</a:t>
+            </a:r>
+            <a:r>
+              <a:rPr lang="en-ID" b="0" i="0" dirty="0">
+                <a:solidFill>
+                  <a:schemeClr val="tx1"/>
+                </a:solidFill>
+                <a:effectLst/>
+                <a:latin typeface="Söhne"/>
+              </a:rPr>
+              <a:t> yang </a:t>
+            </a:r>
+            <a:r>
+              <a:rPr lang="en-ID" b="0" i="0" dirty="0" err="1">
+                <a:solidFill>
+                  <a:schemeClr val="tx1"/>
+                </a:solidFill>
+                <a:effectLst/>
+                <a:latin typeface="Söhne"/>
+              </a:rPr>
+              <a:t>menampilkan</a:t>
+            </a:r>
+            <a:r>
+              <a:rPr lang="en-ID" b="0" i="0" dirty="0">
+                <a:solidFill>
+                  <a:schemeClr val="tx1"/>
+                </a:solidFill>
+                <a:effectLst/>
+                <a:latin typeface="Söhne"/>
+              </a:rPr>
+              <a:t> </a:t>
+            </a:r>
+            <a:r>
+              <a:rPr lang="en-ID" b="0" i="0" dirty="0" err="1">
+                <a:solidFill>
+                  <a:schemeClr val="tx1"/>
+                </a:solidFill>
+                <a:effectLst/>
+                <a:latin typeface="Söhne"/>
+              </a:rPr>
+              <a:t>pesan</a:t>
+            </a:r>
+            <a:r>
+              <a:rPr lang="en-ID" b="0" i="0" dirty="0">
+                <a:solidFill>
+                  <a:schemeClr val="tx1"/>
+                </a:solidFill>
+                <a:effectLst/>
+                <a:latin typeface="Söhne"/>
+              </a:rPr>
+              <a:t>. </a:t>
+            </a:r>
+          </a:p>
+          <a:p>
+            <a:endParaRPr lang="en-ID" dirty="0">
+              <a:solidFill>
+                <a:schemeClr val="tx1"/>
+              </a:solidFill>
+              <a:latin typeface="Söhne"/>
+            </a:endParaRPr>
+          </a:p>
+          <a:p>
+            <a:r>
+              <a:rPr lang="en-ID" dirty="0" err="1">
+                <a:solidFill>
+                  <a:schemeClr val="tx1"/>
+                </a:solidFill>
+                <a:latin typeface="Söhne"/>
+              </a:rPr>
+              <a:t>F</a:t>
+            </a:r>
+            <a:r>
+              <a:rPr lang="en-ID" b="0" i="0" dirty="0" err="1">
+                <a:solidFill>
+                  <a:schemeClr val="tx1"/>
+                </a:solidFill>
+                <a:effectLst/>
+                <a:latin typeface="Söhne"/>
+              </a:rPr>
+              <a:t>ungsi</a:t>
+            </a:r>
+            <a:r>
+              <a:rPr lang="en-ID" b="0" i="0" dirty="0">
+                <a:solidFill>
+                  <a:schemeClr val="tx1"/>
+                </a:solidFill>
+                <a:effectLst/>
+                <a:latin typeface="Söhne"/>
+              </a:rPr>
+              <a:t> </a:t>
+            </a:r>
+            <a:r>
+              <a:rPr lang="en-ID" b="0" i="0" dirty="0" err="1">
+                <a:solidFill>
+                  <a:schemeClr val="tx1"/>
+                </a:solidFill>
+                <a:effectLst/>
+                <a:latin typeface="Söhne"/>
+              </a:rPr>
+              <a:t>ini</a:t>
+            </a:r>
+            <a:r>
+              <a:rPr lang="en-ID" b="0" i="0" dirty="0">
+                <a:solidFill>
+                  <a:schemeClr val="tx1"/>
+                </a:solidFill>
+                <a:effectLst/>
+                <a:latin typeface="Söhne"/>
+              </a:rPr>
+              <a:t> </a:t>
+            </a:r>
+            <a:r>
+              <a:rPr lang="en-ID" b="0" i="0" dirty="0" err="1">
+                <a:solidFill>
+                  <a:schemeClr val="tx1"/>
+                </a:solidFill>
+                <a:effectLst/>
+                <a:latin typeface="Söhne"/>
+              </a:rPr>
+              <a:t>dihubungkan</a:t>
+            </a:r>
+            <a:r>
+              <a:rPr lang="en-ID" b="0" i="0" dirty="0">
+                <a:solidFill>
+                  <a:schemeClr val="tx1"/>
+                </a:solidFill>
+                <a:effectLst/>
+                <a:latin typeface="Söhne"/>
+              </a:rPr>
+              <a:t> </a:t>
+            </a:r>
+            <a:r>
+              <a:rPr lang="en-ID" b="0" i="0" dirty="0" err="1">
+                <a:solidFill>
+                  <a:schemeClr val="tx1"/>
+                </a:solidFill>
+                <a:effectLst/>
+                <a:latin typeface="Söhne"/>
+              </a:rPr>
+              <a:t>ke</a:t>
+            </a:r>
+            <a:r>
+              <a:rPr lang="en-ID" b="0" i="0" dirty="0">
+                <a:solidFill>
+                  <a:schemeClr val="tx1"/>
+                </a:solidFill>
+                <a:effectLst/>
+                <a:latin typeface="Söhne"/>
+              </a:rPr>
+              <a:t> </a:t>
+            </a:r>
+            <a:r>
+              <a:rPr lang="en-ID" b="0" i="0" dirty="0" err="1">
+                <a:solidFill>
+                  <a:schemeClr val="tx1"/>
+                </a:solidFill>
+                <a:effectLst/>
+                <a:latin typeface="Söhne"/>
+              </a:rPr>
+              <a:t>sinyal</a:t>
+            </a:r>
+            <a:r>
+              <a:rPr lang="en-ID" b="0" i="0" dirty="0">
+                <a:solidFill>
+                  <a:schemeClr val="tx1"/>
+                </a:solidFill>
+                <a:effectLst/>
+                <a:latin typeface="Söhne"/>
+              </a:rPr>
+              <a:t> </a:t>
+            </a:r>
+            <a:r>
+              <a:rPr lang="en-ID" dirty="0">
+                <a:solidFill>
+                  <a:schemeClr val="tx1"/>
+                </a:solidFill>
+              </a:rPr>
+              <a:t>clicked</a:t>
+            </a:r>
+            <a:r>
+              <a:rPr lang="en-ID" b="0" i="0" dirty="0">
+                <a:solidFill>
+                  <a:schemeClr val="tx1"/>
+                </a:solidFill>
+                <a:effectLst/>
+                <a:latin typeface="Söhne"/>
+              </a:rPr>
+              <a:t> </a:t>
+            </a:r>
+            <a:r>
+              <a:rPr lang="en-ID" b="0" i="0" dirty="0" err="1">
+                <a:solidFill>
+                  <a:schemeClr val="tx1"/>
+                </a:solidFill>
+                <a:effectLst/>
+                <a:latin typeface="Söhne"/>
+              </a:rPr>
+              <a:t>dari</a:t>
+            </a:r>
+            <a:r>
+              <a:rPr lang="en-ID" b="0" i="0" dirty="0">
+                <a:solidFill>
+                  <a:schemeClr val="tx1"/>
+                </a:solidFill>
+                <a:effectLst/>
+                <a:latin typeface="Söhne"/>
+              </a:rPr>
+              <a:t> </a:t>
+            </a:r>
+            <a:r>
+              <a:rPr lang="en-ID" b="0" i="0" dirty="0" err="1">
+                <a:solidFill>
+                  <a:schemeClr val="tx1"/>
+                </a:solidFill>
+                <a:effectLst/>
+                <a:latin typeface="Söhne"/>
+              </a:rPr>
+              <a:t>tombol</a:t>
+            </a:r>
+            <a:r>
+              <a:rPr lang="en-ID" b="0" i="0" dirty="0">
+                <a:solidFill>
+                  <a:schemeClr val="tx1"/>
+                </a:solidFill>
+                <a:effectLst/>
+                <a:latin typeface="Söhne"/>
+              </a:rPr>
+              <a:t>, yang </a:t>
+            </a:r>
+            <a:r>
+              <a:rPr lang="en-ID" b="0" i="0" dirty="0" err="1">
+                <a:solidFill>
+                  <a:schemeClr val="tx1"/>
+                </a:solidFill>
+                <a:effectLst/>
+                <a:latin typeface="Söhne"/>
+              </a:rPr>
+              <a:t>dipicu</a:t>
+            </a:r>
+            <a:r>
+              <a:rPr lang="en-ID" b="0" i="0" dirty="0">
+                <a:solidFill>
+                  <a:schemeClr val="tx1"/>
+                </a:solidFill>
+                <a:effectLst/>
+                <a:latin typeface="Söhne"/>
+              </a:rPr>
+              <a:t> </a:t>
+            </a:r>
+            <a:r>
+              <a:rPr lang="en-ID" b="0" i="0" dirty="0" err="1">
+                <a:solidFill>
+                  <a:schemeClr val="tx1"/>
+                </a:solidFill>
+                <a:effectLst/>
+                <a:latin typeface="Söhne"/>
+              </a:rPr>
+              <a:t>ketika</a:t>
+            </a:r>
+            <a:r>
+              <a:rPr lang="en-ID" b="0" i="0" dirty="0">
+                <a:solidFill>
+                  <a:schemeClr val="tx1"/>
+                </a:solidFill>
+                <a:effectLst/>
+                <a:latin typeface="Söhne"/>
+              </a:rPr>
+              <a:t> </a:t>
+            </a:r>
+            <a:r>
+              <a:rPr lang="en-ID" b="0" i="0" dirty="0" err="1">
+                <a:solidFill>
+                  <a:schemeClr val="tx1"/>
+                </a:solidFill>
+                <a:effectLst/>
+                <a:latin typeface="Söhne"/>
+              </a:rPr>
+              <a:t>tombol</a:t>
+            </a:r>
+            <a:r>
+              <a:rPr lang="en-ID" b="0" i="0" dirty="0">
+                <a:solidFill>
+                  <a:schemeClr val="tx1"/>
+                </a:solidFill>
+                <a:effectLst/>
+                <a:latin typeface="Söhne"/>
+              </a:rPr>
+              <a:t> </a:t>
+            </a:r>
+            <a:r>
+              <a:rPr lang="en-ID" b="0" i="0" dirty="0" err="1">
+                <a:solidFill>
+                  <a:schemeClr val="tx1"/>
+                </a:solidFill>
+                <a:effectLst/>
+                <a:latin typeface="Söhne"/>
+              </a:rPr>
+              <a:t>diklik</a:t>
+            </a:r>
+            <a:r>
+              <a:rPr lang="en-ID" b="0" i="0" dirty="0">
+                <a:solidFill>
+                  <a:schemeClr val="tx1"/>
+                </a:solidFill>
+                <a:effectLst/>
+                <a:latin typeface="Söhne"/>
+              </a:rPr>
+              <a:t>.</a:t>
+            </a:r>
+            <a:endParaRPr lang="en-US" dirty="0">
+              <a:solidFill>
+                <a:schemeClr val="tx1"/>
+              </a:solidFill>
+            </a:endParaRPr>
+          </a:p>
+        </p:txBody>
+      </p:sp>
+    </p:spTree>
+    <p:extLst>
+      <p:ext uri="{BB962C8B-B14F-4D97-AF65-F5344CB8AC3E}">
+        <p14:creationId xmlns:p14="http://schemas.microsoft.com/office/powerpoint/2010/main" val="829811841"/>
+      </p:ext>
+    </p:extLst>
+  </p:cSld>
+  <p:clrMapOvr>
+    <a:masterClrMapping/>
+  </p:clrMapOvr>
+</p:sld>
+</file>
+
+<file path=ppt/slides/slide13.xml><?xml version="1.0" encoding="utf-8"?>
+<p:sld xmlns:a="http://schemas.openxmlformats.org/drawingml/2006/main" xmlns:r="http://schemas.openxmlformats.org/officeDocument/2006/relationships" xmlns:p="http://schemas.openxmlformats.org/presentationml/2006/main">
+  <p:cSld>
+    <p:spTree>
+      <p:nvGrpSpPr>
+        <p:cNvPr id="1" name=""/>
+        <p:cNvGrpSpPr/>
+        <p:nvPr/>
+      </p:nvGrpSpPr>
+      <p:grpSpPr>
+        <a:xfrm>
+          <a:off x="0" y="0"/>
+          <a:ext cx="0" cy="0"/>
+          <a:chOff x="0" y="0"/>
+          <a:chExt cx="0" cy="0"/>
+        </a:xfrm>
+      </p:grpSpPr>
+      <p:sp>
+        <p:nvSpPr>
+          <p:cNvPr id="2" name="Title 1">
+            <a:extLst>
+              <a:ext uri="{FF2B5EF4-FFF2-40B4-BE49-F238E27FC236}">
+                <a16:creationId xmlns:a16="http://schemas.microsoft.com/office/drawing/2014/main" id="{62CE8897-3CCF-7B86-AC86-2AC3DF105B32}"/>
+              </a:ext>
+            </a:extLst>
+          </p:cNvPr>
+          <p:cNvSpPr>
+            <a:spLocks noGrp="1"/>
+          </p:cNvSpPr>
+          <p:nvPr>
+            <p:ph type="title"/>
+          </p:nvPr>
+        </p:nvSpPr>
+        <p:spPr/>
+        <p:txBody>
+          <a:bodyPr/>
+          <a:lstStyle/>
+          <a:p>
+            <a:r>
+              <a:rPr lang="en-US" dirty="0"/>
+              <a:t>OOP</a:t>
+            </a:r>
+          </a:p>
+        </p:txBody>
+      </p:sp>
+      <p:pic>
+        <p:nvPicPr>
+          <p:cNvPr id="4" name="Picture 3">
+            <a:extLst>
+              <a:ext uri="{FF2B5EF4-FFF2-40B4-BE49-F238E27FC236}">
+                <a16:creationId xmlns:a16="http://schemas.microsoft.com/office/drawing/2014/main" id="{B622FF70-B1D8-85FB-42F2-81A126F7757A}"/>
+              </a:ext>
+            </a:extLst>
+          </p:cNvPr>
+          <p:cNvPicPr>
+            <a:picLocks noChangeAspect="1"/>
+          </p:cNvPicPr>
+          <p:nvPr/>
+        </p:nvPicPr>
+        <p:blipFill rotWithShape="1">
+          <a:blip r:embed="rId2"/>
+          <a:srcRect l="3479" t="4932" r="3484" b="5249"/>
+          <a:stretch/>
+        </p:blipFill>
+        <p:spPr>
+          <a:xfrm>
+            <a:off x="226691" y="760011"/>
+            <a:ext cx="5585792" cy="3912515"/>
+          </a:xfrm>
+          <a:prstGeom prst="rect">
+            <a:avLst/>
+          </a:prstGeom>
+        </p:spPr>
+      </p:pic>
+      <p:sp>
+        <p:nvSpPr>
+          <p:cNvPr id="5" name="Rectangle 4">
+            <a:extLst>
+              <a:ext uri="{FF2B5EF4-FFF2-40B4-BE49-F238E27FC236}">
+                <a16:creationId xmlns:a16="http://schemas.microsoft.com/office/drawing/2014/main" id="{34E4AE1F-7D72-7B41-CFBA-917BE070D05A}"/>
+              </a:ext>
+            </a:extLst>
+          </p:cNvPr>
+          <p:cNvSpPr/>
+          <p:nvPr/>
+        </p:nvSpPr>
+        <p:spPr>
+          <a:xfrm>
+            <a:off x="586802" y="3519575"/>
+            <a:ext cx="5367591" cy="863914"/>
+          </a:xfrm>
+          <a:prstGeom prst="rect">
+            <a:avLst/>
+          </a:prstGeom>
+          <a:noFill/>
+        </p:spPr>
+        <p:style>
+          <a:lnRef idx="2">
+            <a:schemeClr val="accent6"/>
+          </a:lnRef>
+          <a:fillRef idx="1">
+            <a:schemeClr val="lt1"/>
+          </a:fillRef>
+          <a:effectRef idx="0">
+            <a:schemeClr val="accent6"/>
+          </a:effectRef>
+          <a:fontRef idx="minor">
+            <a:schemeClr val="dk1"/>
+          </a:fontRef>
+        </p:style>
+        <p:txBody>
+          <a:bodyPr rtlCol="0" anchor="ctr"/>
+          <a:lstStyle/>
+          <a:p>
+            <a:pPr algn="ctr"/>
+            <a:endParaRPr lang="en-US"/>
+          </a:p>
+        </p:txBody>
+      </p:sp>
+      <p:sp>
+        <p:nvSpPr>
+          <p:cNvPr id="6" name="Rectangle 5">
+            <a:extLst>
+              <a:ext uri="{FF2B5EF4-FFF2-40B4-BE49-F238E27FC236}">
+                <a16:creationId xmlns:a16="http://schemas.microsoft.com/office/drawing/2014/main" id="{535247AC-0067-1909-12BC-0CF5A2F09F5B}"/>
+              </a:ext>
+            </a:extLst>
+          </p:cNvPr>
+          <p:cNvSpPr/>
+          <p:nvPr/>
+        </p:nvSpPr>
+        <p:spPr>
+          <a:xfrm>
+            <a:off x="586802" y="2047461"/>
+            <a:ext cx="5367592" cy="576469"/>
+          </a:xfrm>
+          <a:prstGeom prst="rect">
+            <a:avLst/>
+          </a:prstGeom>
+          <a:noFill/>
+        </p:spPr>
+        <p:style>
+          <a:lnRef idx="2">
+            <a:schemeClr val="accent6"/>
+          </a:lnRef>
+          <a:fillRef idx="1">
+            <a:schemeClr val="lt1"/>
+          </a:fillRef>
+          <a:effectRef idx="0">
+            <a:schemeClr val="accent6"/>
+          </a:effectRef>
+          <a:fontRef idx="minor">
+            <a:schemeClr val="dk1"/>
+          </a:fontRef>
+        </p:style>
+        <p:txBody>
+          <a:bodyPr rtlCol="0" anchor="ctr"/>
+          <a:lstStyle/>
+          <a:p>
+            <a:pPr algn="ctr"/>
+            <a:endParaRPr lang="en-US"/>
+          </a:p>
+        </p:txBody>
+      </p:sp>
+      <p:sp>
+        <p:nvSpPr>
+          <p:cNvPr id="7" name="Rectangle 6">
+            <a:extLst>
+              <a:ext uri="{FF2B5EF4-FFF2-40B4-BE49-F238E27FC236}">
+                <a16:creationId xmlns:a16="http://schemas.microsoft.com/office/drawing/2014/main" id="{F0DB8FB8-60DE-484A-E786-A6860C4C8360}"/>
+              </a:ext>
+            </a:extLst>
+          </p:cNvPr>
+          <p:cNvSpPr/>
+          <p:nvPr/>
+        </p:nvSpPr>
+        <p:spPr>
+          <a:xfrm>
+            <a:off x="573549" y="1445337"/>
+            <a:ext cx="5367592" cy="529237"/>
+          </a:xfrm>
+          <a:prstGeom prst="rect">
+            <a:avLst/>
+          </a:prstGeom>
+          <a:noFill/>
+        </p:spPr>
+        <p:style>
+          <a:lnRef idx="2">
+            <a:schemeClr val="accent6"/>
+          </a:lnRef>
+          <a:fillRef idx="1">
+            <a:schemeClr val="lt1"/>
+          </a:fillRef>
+          <a:effectRef idx="0">
+            <a:schemeClr val="accent6"/>
+          </a:effectRef>
+          <a:fontRef idx="minor">
+            <a:schemeClr val="dk1"/>
+          </a:fontRef>
+        </p:style>
+        <p:txBody>
+          <a:bodyPr rtlCol="0" anchor="ctr"/>
+          <a:lstStyle/>
+          <a:p>
+            <a:pPr algn="ctr"/>
+            <a:endParaRPr lang="en-US"/>
+          </a:p>
+        </p:txBody>
+      </p:sp>
+      <p:sp>
+        <p:nvSpPr>
+          <p:cNvPr id="8" name="Rectangle 7">
+            <a:extLst>
+              <a:ext uri="{FF2B5EF4-FFF2-40B4-BE49-F238E27FC236}">
+                <a16:creationId xmlns:a16="http://schemas.microsoft.com/office/drawing/2014/main" id="{64E94512-D976-49FD-0C83-0BC4D1DCECE2}"/>
+              </a:ext>
+            </a:extLst>
+          </p:cNvPr>
+          <p:cNvSpPr/>
+          <p:nvPr/>
+        </p:nvSpPr>
+        <p:spPr>
+          <a:xfrm>
+            <a:off x="586802" y="3111698"/>
+            <a:ext cx="5367592" cy="325367"/>
+          </a:xfrm>
+          <a:prstGeom prst="rect">
+            <a:avLst/>
+          </a:prstGeom>
+          <a:noFill/>
+        </p:spPr>
+        <p:style>
+          <a:lnRef idx="2">
+            <a:schemeClr val="accent6"/>
+          </a:lnRef>
+          <a:fillRef idx="1">
+            <a:schemeClr val="lt1"/>
+          </a:fillRef>
+          <a:effectRef idx="0">
+            <a:schemeClr val="accent6"/>
+          </a:effectRef>
+          <a:fontRef idx="minor">
+            <a:schemeClr val="dk1"/>
+          </a:fontRef>
+        </p:style>
+        <p:txBody>
+          <a:bodyPr rtlCol="0" anchor="ctr"/>
+          <a:lstStyle/>
+          <a:p>
+            <a:pPr algn="ctr"/>
+            <a:endParaRPr lang="en-US"/>
+          </a:p>
+        </p:txBody>
+      </p:sp>
+      <p:sp>
+        <p:nvSpPr>
+          <p:cNvPr id="10" name="TextBox 9">
+            <a:extLst>
+              <a:ext uri="{FF2B5EF4-FFF2-40B4-BE49-F238E27FC236}">
+                <a16:creationId xmlns:a16="http://schemas.microsoft.com/office/drawing/2014/main" id="{E4C2A826-6A69-EBF8-5071-BFC7596C76F7}"/>
+              </a:ext>
+            </a:extLst>
+          </p:cNvPr>
+          <p:cNvSpPr txBox="1"/>
+          <p:nvPr/>
+        </p:nvSpPr>
+        <p:spPr>
+          <a:xfrm>
+            <a:off x="5941141" y="1503058"/>
+            <a:ext cx="2842591" cy="523220"/>
+          </a:xfrm>
+          <a:prstGeom prst="rect">
+            <a:avLst/>
+          </a:prstGeom>
+          <a:noFill/>
+        </p:spPr>
+        <p:txBody>
+          <a:bodyPr wrap="square">
+            <a:spAutoFit/>
+          </a:bodyPr>
+          <a:lstStyle/>
+          <a:p>
+            <a:r>
+              <a:rPr lang="en-ID" dirty="0">
+                <a:solidFill>
+                  <a:schemeClr val="tx1"/>
+                </a:solidFill>
+                <a:latin typeface="Söhne"/>
+              </a:rPr>
+              <a:t>Class Window </a:t>
+            </a:r>
+            <a:r>
+              <a:rPr lang="en-ID" dirty="0" err="1">
+                <a:solidFill>
+                  <a:schemeClr val="tx1"/>
+                </a:solidFill>
+                <a:latin typeface="Söhne"/>
+              </a:rPr>
+              <a:t>turunan</a:t>
+            </a:r>
+            <a:r>
+              <a:rPr lang="en-ID" dirty="0">
+                <a:solidFill>
+                  <a:schemeClr val="tx1"/>
+                </a:solidFill>
+                <a:latin typeface="Söhne"/>
+              </a:rPr>
+              <a:t> </a:t>
+            </a:r>
+            <a:r>
+              <a:rPr lang="en-ID" dirty="0" err="1">
+                <a:solidFill>
+                  <a:schemeClr val="tx1"/>
+                </a:solidFill>
+                <a:latin typeface="Söhne"/>
+              </a:rPr>
+              <a:t>dari</a:t>
+            </a:r>
+            <a:r>
+              <a:rPr lang="en-ID" dirty="0">
+                <a:solidFill>
+                  <a:schemeClr val="tx1"/>
+                </a:solidFill>
+                <a:latin typeface="Söhne"/>
+              </a:rPr>
+              <a:t> </a:t>
+            </a:r>
+            <a:r>
+              <a:rPr lang="en-ID" b="0" i="0" dirty="0" err="1">
+                <a:solidFill>
+                  <a:schemeClr val="tx1"/>
+                </a:solidFill>
+                <a:effectLst/>
+                <a:latin typeface="Söhne"/>
+              </a:rPr>
+              <a:t>QMainWindow</a:t>
+            </a:r>
+            <a:endParaRPr lang="en-US" dirty="0">
+              <a:solidFill>
+                <a:schemeClr val="tx1"/>
+              </a:solidFill>
+            </a:endParaRPr>
+          </a:p>
+        </p:txBody>
+      </p:sp>
+      <p:sp>
+        <p:nvSpPr>
+          <p:cNvPr id="11" name="TextBox 10">
+            <a:extLst>
+              <a:ext uri="{FF2B5EF4-FFF2-40B4-BE49-F238E27FC236}">
+                <a16:creationId xmlns:a16="http://schemas.microsoft.com/office/drawing/2014/main" id="{9C48E58E-3999-1FEA-A377-7BFC27418343}"/>
+              </a:ext>
+            </a:extLst>
+          </p:cNvPr>
+          <p:cNvSpPr txBox="1"/>
+          <p:nvPr/>
+        </p:nvSpPr>
+        <p:spPr>
+          <a:xfrm>
+            <a:off x="5941140" y="2129334"/>
+            <a:ext cx="2842591" cy="307777"/>
+          </a:xfrm>
+          <a:prstGeom prst="rect">
+            <a:avLst/>
+          </a:prstGeom>
+          <a:noFill/>
+        </p:spPr>
+        <p:txBody>
+          <a:bodyPr wrap="square">
+            <a:spAutoFit/>
+          </a:bodyPr>
+          <a:lstStyle/>
+          <a:p>
+            <a:r>
+              <a:rPr lang="en-ID" dirty="0">
+                <a:solidFill>
+                  <a:schemeClr val="tx1"/>
+                </a:solidFill>
+                <a:latin typeface="Söhne"/>
+              </a:rPr>
+              <a:t>Widget</a:t>
+            </a:r>
+            <a:endParaRPr lang="en-US" dirty="0">
+              <a:solidFill>
+                <a:schemeClr val="tx1"/>
+              </a:solidFill>
+            </a:endParaRPr>
+          </a:p>
+        </p:txBody>
+      </p:sp>
+      <p:sp>
+        <p:nvSpPr>
+          <p:cNvPr id="12" name="TextBox 11">
+            <a:extLst>
+              <a:ext uri="{FF2B5EF4-FFF2-40B4-BE49-F238E27FC236}">
+                <a16:creationId xmlns:a16="http://schemas.microsoft.com/office/drawing/2014/main" id="{55D83F95-7024-343B-B7E6-CC46D6324346}"/>
+              </a:ext>
+            </a:extLst>
+          </p:cNvPr>
+          <p:cNvSpPr txBox="1"/>
+          <p:nvPr/>
+        </p:nvSpPr>
+        <p:spPr>
+          <a:xfrm>
+            <a:off x="5916908" y="3749524"/>
+            <a:ext cx="2842591" cy="307777"/>
+          </a:xfrm>
+          <a:prstGeom prst="rect">
+            <a:avLst/>
+          </a:prstGeom>
+          <a:noFill/>
+        </p:spPr>
+        <p:txBody>
+          <a:bodyPr wrap="square">
+            <a:spAutoFit/>
+          </a:bodyPr>
+          <a:lstStyle/>
+          <a:p>
+            <a:r>
+              <a:rPr lang="en-ID" dirty="0">
+                <a:solidFill>
+                  <a:schemeClr val="tx1"/>
+                </a:solidFill>
+                <a:latin typeface="Söhne"/>
+              </a:rPr>
+              <a:t>Main Window</a:t>
+            </a:r>
+            <a:endParaRPr lang="en-US" dirty="0">
+              <a:solidFill>
+                <a:schemeClr val="tx1"/>
+              </a:solidFill>
+            </a:endParaRPr>
+          </a:p>
+        </p:txBody>
+      </p:sp>
+      <p:sp>
+        <p:nvSpPr>
+          <p:cNvPr id="13" name="TextBox 12">
+            <a:extLst>
+              <a:ext uri="{FF2B5EF4-FFF2-40B4-BE49-F238E27FC236}">
+                <a16:creationId xmlns:a16="http://schemas.microsoft.com/office/drawing/2014/main" id="{B6FB57CE-4E8D-3160-124B-425673CEE65F}"/>
+              </a:ext>
+            </a:extLst>
+          </p:cNvPr>
+          <p:cNvSpPr txBox="1"/>
+          <p:nvPr/>
+        </p:nvSpPr>
+        <p:spPr>
+          <a:xfrm>
+            <a:off x="5954394" y="3111698"/>
+            <a:ext cx="2842591" cy="307777"/>
+          </a:xfrm>
+          <a:prstGeom prst="rect">
+            <a:avLst/>
+          </a:prstGeom>
+          <a:noFill/>
+        </p:spPr>
+        <p:txBody>
+          <a:bodyPr wrap="square">
+            <a:spAutoFit/>
+          </a:bodyPr>
+          <a:lstStyle/>
+          <a:p>
+            <a:r>
+              <a:rPr lang="en-ID" dirty="0">
+                <a:solidFill>
+                  <a:schemeClr val="tx1"/>
+                </a:solidFill>
+                <a:latin typeface="Söhne"/>
+              </a:rPr>
+              <a:t>Slot </a:t>
+            </a:r>
+            <a:r>
+              <a:rPr lang="en-ID" dirty="0" err="1">
+                <a:solidFill>
+                  <a:schemeClr val="tx1"/>
+                </a:solidFill>
+                <a:latin typeface="Söhne"/>
+              </a:rPr>
+              <a:t>Fungsi</a:t>
+            </a:r>
+            <a:endParaRPr lang="en-US" dirty="0">
+              <a:solidFill>
+                <a:schemeClr val="tx1"/>
+              </a:solidFill>
+            </a:endParaRPr>
+          </a:p>
+        </p:txBody>
+      </p:sp>
+      <p:sp>
+        <p:nvSpPr>
+          <p:cNvPr id="14" name="Rectangle 13">
+            <a:extLst>
+              <a:ext uri="{FF2B5EF4-FFF2-40B4-BE49-F238E27FC236}">
+                <a16:creationId xmlns:a16="http://schemas.microsoft.com/office/drawing/2014/main" id="{BEC7721E-5F7A-2C4F-DB37-47D764DB80F8}"/>
+              </a:ext>
+            </a:extLst>
+          </p:cNvPr>
+          <p:cNvSpPr/>
+          <p:nvPr/>
+        </p:nvSpPr>
+        <p:spPr>
+          <a:xfrm>
+            <a:off x="586801" y="2689117"/>
+            <a:ext cx="5367592" cy="340071"/>
+          </a:xfrm>
+          <a:prstGeom prst="rect">
+            <a:avLst/>
+          </a:prstGeom>
+          <a:noFill/>
+        </p:spPr>
+        <p:style>
+          <a:lnRef idx="2">
+            <a:schemeClr val="accent6"/>
+          </a:lnRef>
+          <a:fillRef idx="1">
+            <a:schemeClr val="lt1"/>
+          </a:fillRef>
+          <a:effectRef idx="0">
+            <a:schemeClr val="accent6"/>
+          </a:effectRef>
+          <a:fontRef idx="minor">
+            <a:schemeClr val="dk1"/>
+          </a:fontRef>
+        </p:style>
+        <p:txBody>
+          <a:bodyPr rtlCol="0" anchor="ctr"/>
+          <a:lstStyle/>
+          <a:p>
+            <a:pPr algn="ctr"/>
+            <a:endParaRPr lang="en-US"/>
+          </a:p>
+        </p:txBody>
+      </p:sp>
+      <p:sp>
+        <p:nvSpPr>
+          <p:cNvPr id="15" name="TextBox 14">
+            <a:extLst>
+              <a:ext uri="{FF2B5EF4-FFF2-40B4-BE49-F238E27FC236}">
+                <a16:creationId xmlns:a16="http://schemas.microsoft.com/office/drawing/2014/main" id="{9C23C927-9020-D47F-5977-854CB4DBBC5D}"/>
+              </a:ext>
+            </a:extLst>
+          </p:cNvPr>
+          <p:cNvSpPr txBox="1"/>
+          <p:nvPr/>
+        </p:nvSpPr>
+        <p:spPr>
+          <a:xfrm>
+            <a:off x="5923535" y="2683949"/>
+            <a:ext cx="2842591" cy="307777"/>
+          </a:xfrm>
+          <a:prstGeom prst="rect">
+            <a:avLst/>
+          </a:prstGeom>
+          <a:noFill/>
+        </p:spPr>
+        <p:txBody>
+          <a:bodyPr wrap="square">
+            <a:spAutoFit/>
+          </a:bodyPr>
+          <a:lstStyle/>
+          <a:p>
+            <a:r>
+              <a:rPr lang="en-ID" dirty="0">
+                <a:solidFill>
+                  <a:schemeClr val="tx1"/>
+                </a:solidFill>
+                <a:latin typeface="Söhne"/>
+              </a:rPr>
+              <a:t>Signal</a:t>
+            </a:r>
+            <a:endParaRPr lang="en-US" dirty="0">
+              <a:solidFill>
+                <a:schemeClr val="tx1"/>
+              </a:solidFill>
+            </a:endParaRPr>
+          </a:p>
+        </p:txBody>
+      </p:sp>
+    </p:spTree>
+    <p:extLst>
+      <p:ext uri="{BB962C8B-B14F-4D97-AF65-F5344CB8AC3E}">
+        <p14:creationId xmlns:p14="http://schemas.microsoft.com/office/powerpoint/2010/main" val="2223068261"/>
+      </p:ext>
+    </p:extLst>
+  </p:cSld>
+  <p:clrMapOvr>
+    <a:masterClrMapping/>
+  </p:clrMapOvr>
+</p:sld>
+</file>
+
+<file path=ppt/slides/slide14.xml><?xml version="1.0" encoding="utf-8"?>
+<p:sld xmlns:a="http://schemas.openxmlformats.org/drawingml/2006/main" xmlns:r="http://schemas.openxmlformats.org/officeDocument/2006/relationships" xmlns:p="http://schemas.openxmlformats.org/presentationml/2006/main">
+  <p:cSld>
+    <p:spTree>
+      <p:nvGrpSpPr>
+        <p:cNvPr id="1" name=""/>
+        <p:cNvGrpSpPr/>
+        <p:nvPr/>
+      </p:nvGrpSpPr>
+      <p:grpSpPr>
+        <a:xfrm>
+          <a:off x="0" y="0"/>
+          <a:ext cx="0" cy="0"/>
+          <a:chOff x="0" y="0"/>
+          <a:chExt cx="0" cy="0"/>
+        </a:xfrm>
+      </p:grpSpPr>
+      <p:sp>
+        <p:nvSpPr>
+          <p:cNvPr id="2" name="Title 1">
+            <a:extLst>
+              <a:ext uri="{FF2B5EF4-FFF2-40B4-BE49-F238E27FC236}">
+                <a16:creationId xmlns:a16="http://schemas.microsoft.com/office/drawing/2014/main" id="{DAB21BA2-8899-9F71-5865-1E0BC8824B3C}"/>
+              </a:ext>
+            </a:extLst>
+          </p:cNvPr>
+          <p:cNvSpPr>
+            <a:spLocks noGrp="1"/>
+          </p:cNvSpPr>
+          <p:nvPr>
+            <p:ph type="title"/>
+          </p:nvPr>
+        </p:nvSpPr>
+        <p:spPr/>
+        <p:txBody>
+          <a:bodyPr/>
+          <a:lstStyle/>
+          <a:p>
+            <a:r>
+              <a:rPr lang="en-US" dirty="0"/>
+              <a:t>Project Akhir</a:t>
+            </a:r>
+          </a:p>
+        </p:txBody>
+      </p:sp>
+      <p:sp>
+        <p:nvSpPr>
+          <p:cNvPr id="3" name="Text Placeholder 2">
+            <a:extLst>
+              <a:ext uri="{FF2B5EF4-FFF2-40B4-BE49-F238E27FC236}">
+                <a16:creationId xmlns:a16="http://schemas.microsoft.com/office/drawing/2014/main" id="{34CFC6FF-602E-991E-7F0A-BDC3D2DED124}"/>
+              </a:ext>
+            </a:extLst>
+          </p:cNvPr>
+          <p:cNvSpPr>
+            <a:spLocks noGrp="1"/>
+          </p:cNvSpPr>
+          <p:nvPr>
+            <p:ph type="body" idx="1"/>
+          </p:nvPr>
+        </p:nvSpPr>
+        <p:spPr/>
+        <p:txBody>
+          <a:bodyPr/>
+          <a:lstStyle/>
+          <a:p>
+            <a:r>
+              <a:rPr lang="en-US" dirty="0"/>
+              <a:t>Tim </a:t>
+            </a:r>
+            <a:r>
+              <a:rPr lang="en-US" dirty="0" err="1"/>
+              <a:t>anggota</a:t>
+            </a:r>
+            <a:r>
+              <a:rPr lang="en-US" dirty="0"/>
+              <a:t> 3 orang</a:t>
+            </a:r>
+          </a:p>
+          <a:p>
+            <a:r>
+              <a:rPr lang="en-US" dirty="0" err="1"/>
+              <a:t>Membuat</a:t>
+            </a:r>
+            <a:r>
+              <a:rPr lang="en-US" dirty="0"/>
+              <a:t> </a:t>
+            </a:r>
+            <a:r>
+              <a:rPr lang="en-US" dirty="0" err="1"/>
+              <a:t>aplikasi</a:t>
+            </a:r>
+            <a:r>
+              <a:rPr lang="en-US" dirty="0"/>
+              <a:t> GUI </a:t>
+            </a:r>
+            <a:r>
+              <a:rPr lang="en-US" dirty="0" err="1"/>
+              <a:t>dengan</a:t>
+            </a:r>
+            <a:r>
+              <a:rPr lang="en-US" dirty="0"/>
+              <a:t> </a:t>
+            </a:r>
+            <a:r>
+              <a:rPr lang="en-US" dirty="0" err="1"/>
+              <a:t>PyQt</a:t>
+            </a:r>
+            <a:endParaRPr lang="en-US" dirty="0"/>
+          </a:p>
+          <a:p>
+            <a:endParaRPr lang="en-US" dirty="0"/>
+          </a:p>
+          <a:p>
+            <a:r>
+              <a:rPr lang="en-US" dirty="0"/>
+              <a:t>TO DO :</a:t>
+            </a:r>
+          </a:p>
+          <a:p>
+            <a:r>
+              <a:rPr lang="en-US" dirty="0"/>
+              <a:t>- </a:t>
+            </a:r>
+            <a:r>
+              <a:rPr lang="en-US" dirty="0" err="1"/>
+              <a:t>Menentukan</a:t>
+            </a:r>
+            <a:r>
+              <a:rPr lang="en-US" dirty="0"/>
+              <a:t> </a:t>
+            </a:r>
+            <a:r>
+              <a:rPr lang="en-US" dirty="0" err="1"/>
+              <a:t>Topik</a:t>
+            </a:r>
+            <a:r>
+              <a:rPr lang="en-US" dirty="0"/>
+              <a:t>/</a:t>
+            </a:r>
+            <a:r>
+              <a:rPr lang="en-US" dirty="0" err="1"/>
+              <a:t>Tema</a:t>
+            </a:r>
+            <a:r>
+              <a:rPr lang="en-US" dirty="0"/>
+              <a:t> </a:t>
+            </a:r>
+            <a:r>
+              <a:rPr lang="en-US" dirty="0" err="1"/>
+              <a:t>Aplikasi</a:t>
+            </a:r>
+            <a:r>
+              <a:rPr lang="en-US" dirty="0"/>
+              <a:t> </a:t>
+            </a:r>
+            <a:r>
+              <a:rPr lang="en-US" dirty="0" err="1"/>
+              <a:t>Sederhana</a:t>
+            </a:r>
+            <a:r>
+              <a:rPr lang="en-US" dirty="0"/>
+              <a:t>, </a:t>
+            </a:r>
+            <a:r>
+              <a:rPr lang="en-US" dirty="0" err="1"/>
+              <a:t>contoh</a:t>
+            </a:r>
+            <a:r>
+              <a:rPr lang="en-US" dirty="0"/>
+              <a:t> :</a:t>
+            </a:r>
+          </a:p>
+          <a:p>
+            <a:pPr lvl="1"/>
+            <a:r>
+              <a:rPr lang="en-US" dirty="0" err="1"/>
+              <a:t>Menghitung</a:t>
+            </a:r>
+            <a:r>
+              <a:rPr lang="en-US" dirty="0"/>
+              <a:t> Index </a:t>
+            </a:r>
+            <a:r>
+              <a:rPr lang="en-US" dirty="0" err="1"/>
+              <a:t>Berat</a:t>
+            </a:r>
+            <a:r>
+              <a:rPr lang="en-US" dirty="0"/>
+              <a:t> Badan</a:t>
+            </a:r>
+          </a:p>
+          <a:p>
+            <a:pPr lvl="1"/>
+            <a:r>
+              <a:rPr lang="en-US" dirty="0" err="1"/>
+              <a:t>Kalkulator</a:t>
+            </a:r>
+            <a:r>
+              <a:rPr lang="en-US" dirty="0"/>
+              <a:t> </a:t>
+            </a:r>
+          </a:p>
+          <a:p>
+            <a:pPr lvl="1"/>
+            <a:r>
+              <a:rPr lang="en-US" dirty="0" err="1"/>
+              <a:t>Mencari</a:t>
+            </a:r>
+            <a:r>
+              <a:rPr lang="en-US" dirty="0"/>
+              <a:t> nominal </a:t>
+            </a:r>
+            <a:r>
+              <a:rPr lang="en-US" dirty="0" err="1"/>
+              <a:t>Pajak</a:t>
+            </a:r>
+            <a:r>
+              <a:rPr lang="en-US" dirty="0"/>
+              <a:t> </a:t>
+            </a:r>
+            <a:r>
+              <a:rPr lang="en-US" dirty="0" err="1"/>
+              <a:t>dari</a:t>
+            </a:r>
+            <a:r>
+              <a:rPr lang="en-US" dirty="0"/>
+              <a:t> Total </a:t>
+            </a:r>
+            <a:r>
+              <a:rPr lang="en-US" dirty="0" err="1"/>
+              <a:t>Pembelian</a:t>
+            </a:r>
+            <a:endParaRPr lang="en-US" dirty="0"/>
+          </a:p>
+          <a:p>
+            <a:pPr lvl="1"/>
+            <a:r>
+              <a:rPr lang="en-US" dirty="0" err="1"/>
+              <a:t>Dll</a:t>
+            </a:r>
+            <a:endParaRPr lang="en-US" dirty="0"/>
+          </a:p>
+          <a:p>
+            <a:r>
+              <a:rPr lang="en-US" dirty="0"/>
+              <a:t>- </a:t>
+            </a:r>
+            <a:r>
+              <a:rPr lang="en-US" dirty="0" err="1"/>
+              <a:t>Mengidentifikasi</a:t>
+            </a:r>
+            <a:r>
+              <a:rPr lang="en-US" dirty="0"/>
+              <a:t> layout dan widget yang </a:t>
+            </a:r>
+            <a:r>
+              <a:rPr lang="en-US" dirty="0" err="1"/>
+              <a:t>diperlukan</a:t>
+            </a:r>
+            <a:endParaRPr lang="en-US" dirty="0"/>
+          </a:p>
+          <a:p>
+            <a:endParaRPr lang="en-US" dirty="0"/>
+          </a:p>
+        </p:txBody>
+      </p:sp>
+    </p:spTree>
+    <p:extLst>
+      <p:ext uri="{BB962C8B-B14F-4D97-AF65-F5344CB8AC3E}">
+        <p14:creationId xmlns:p14="http://schemas.microsoft.com/office/powerpoint/2010/main" val="3927212968"/>
+      </p:ext>
+    </p:extLst>
+  </p:cSld>
+  <p:clrMapOvr>
+    <a:masterClrMapping/>
+  </p:clrMapOvr>
+</p:sld>
+</file>
+
 <file path=ppt/slides/slide2.xml><?xml version="1.0" encoding="utf-8"?>
 <p:sld xmlns:a="http://schemas.openxmlformats.org/drawingml/2006/main" xmlns:r="http://schemas.openxmlformats.org/officeDocument/2006/relationships" xmlns:p="http://schemas.openxmlformats.org/presentationml/2006/main">
   <p:cSld>
@@ -7167,7 +9551,70 @@
           <p:cNvPr id="2" name="Title 1">
             <a:extLst>
               <a:ext uri="{FF2B5EF4-FFF2-40B4-BE49-F238E27FC236}">
-                <a16:creationId xmlns:a16="http://schemas.microsoft.com/office/drawing/2014/main" id="{D3359513-6B90-6928-4B60-67CDD6D137B3}"/>
+                <a16:creationId xmlns:a16="http://schemas.microsoft.com/office/drawing/2014/main" id="{82183C25-B6A9-6D93-AA67-03E0F635A47C}"/>
+              </a:ext>
+            </a:extLst>
+          </p:cNvPr>
+          <p:cNvSpPr>
+            <a:spLocks noGrp="1"/>
+          </p:cNvSpPr>
+          <p:nvPr>
+            <p:ph type="title"/>
+          </p:nvPr>
+        </p:nvSpPr>
+        <p:spPr/>
+        <p:txBody>
+          <a:bodyPr/>
+          <a:lstStyle/>
+          <a:p>
+            <a:r>
+              <a:rPr lang="en-US" dirty="0"/>
+              <a:t>DASAR GUI </a:t>
+            </a:r>
+            <a:r>
+              <a:rPr lang="en-US" dirty="0" err="1"/>
+              <a:t>PyQt</a:t>
+            </a:r>
+            <a:endParaRPr lang="en-US" dirty="0"/>
+          </a:p>
+        </p:txBody>
+      </p:sp>
+    </p:spTree>
+    <p:extLst>
+      <p:ext uri="{BB962C8B-B14F-4D97-AF65-F5344CB8AC3E}">
+        <p14:creationId xmlns:p14="http://schemas.microsoft.com/office/powerpoint/2010/main" val="1141689414"/>
+      </p:ext>
+    </p:extLst>
+  </p:cSld>
+  <p:clrMapOvr>
+    <a:masterClrMapping/>
+  </p:clrMapOvr>
+</p:sld>
+</file>
+
+<file path=ppt/slides/slide8.xml><?xml version="1.0" encoding="utf-8"?>
+<p:sld xmlns:a="http://schemas.openxmlformats.org/drawingml/2006/main" xmlns:r="http://schemas.openxmlformats.org/officeDocument/2006/relationships" xmlns:p="http://schemas.openxmlformats.org/presentationml/2006/main">
+  <p:cSld>
+    <p:spTree>
+      <p:nvGrpSpPr>
+        <p:cNvPr id="1" name=""/>
+        <p:cNvGrpSpPr/>
+        <p:nvPr/>
+      </p:nvGrpSpPr>
+      <p:grpSpPr>
+        <a:xfrm>
+          <a:off x="0" y="0"/>
+          <a:ext cx="0" cy="0"/>
+          <a:chOff x="0" y="0"/>
+          <a:chExt cx="0" cy="0"/>
+        </a:xfrm>
+      </p:grpSpPr>
+      <p:sp>
+        <p:nvSpPr>
+          <p:cNvPr id="2" name="Title 1">
+            <a:extLst>
+              <a:ext uri="{FF2B5EF4-FFF2-40B4-BE49-F238E27FC236}">
+                <a16:creationId xmlns:a16="http://schemas.microsoft.com/office/drawing/2014/main" id="{87AC630E-D39F-DB42-4735-1D5697E890A6}"/>
               </a:ext>
             </a:extLst>
           </p:cNvPr>
@@ -7192,7 +9639,7 @@
           <p:cNvPr id="3" name="Text Placeholder 2">
             <a:extLst>
               <a:ext uri="{FF2B5EF4-FFF2-40B4-BE49-F238E27FC236}">
-                <a16:creationId xmlns:a16="http://schemas.microsoft.com/office/drawing/2014/main" id="{59DF14BD-EE59-BAA8-208B-889FCB40B9BC}"/>
+                <a16:creationId xmlns:a16="http://schemas.microsoft.com/office/drawing/2014/main" id="{473AFB77-A689-0A4F-A3AC-EFCCFAC37E59}"/>
               </a:ext>
             </a:extLst>
           </p:cNvPr>
@@ -7209,36 +9656,758 @@
           <a:lstStyle/>
           <a:p>
             <a:r>
-              <a:rPr lang="en-US" dirty="0" err="1"/>
-              <a:t>Instalasi</a:t>
-            </a:r>
-            <a:r>
-              <a:rPr lang="en-US" dirty="0"/>
-              <a:t> dan </a:t>
-            </a:r>
-            <a:r>
-              <a:rPr lang="en-US" dirty="0" err="1"/>
-              <a:t>Codelab</a:t>
-            </a:r>
-            <a:r>
-              <a:rPr lang="en-US" dirty="0"/>
-              <a:t> </a:t>
-            </a:r>
-            <a:r>
-              <a:rPr lang="en-US" dirty="0" err="1"/>
-              <a:t>cek</a:t>
-            </a:r>
-            <a:r>
-              <a:rPr lang="en-US" dirty="0"/>
-              <a:t> Modul</a:t>
-            </a:r>
+              <a:rPr lang="en-ID" b="1" i="0" dirty="0" err="1">
+                <a:solidFill>
+                  <a:schemeClr val="tx1"/>
+                </a:solidFill>
+                <a:effectLst/>
+                <a:latin typeface="Söhne"/>
+              </a:rPr>
+              <a:t>Membuat</a:t>
+            </a:r>
+            <a:r>
+              <a:rPr lang="en-ID" b="1" i="0" dirty="0">
+                <a:solidFill>
+                  <a:schemeClr val="tx1"/>
+                </a:solidFill>
+                <a:effectLst/>
+                <a:latin typeface="Söhne"/>
+              </a:rPr>
+              <a:t> </a:t>
+            </a:r>
+            <a:r>
+              <a:rPr lang="en-ID" b="1" i="0" dirty="0" err="1">
+                <a:solidFill>
+                  <a:schemeClr val="tx1"/>
+                </a:solidFill>
+                <a:effectLst/>
+                <a:latin typeface="Söhne"/>
+              </a:rPr>
+              <a:t>Aplikasi</a:t>
+            </a:r>
+            <a:r>
+              <a:rPr lang="en-ID" b="0" i="0" dirty="0">
+                <a:solidFill>
+                  <a:schemeClr val="tx1"/>
+                </a:solidFill>
+                <a:effectLst/>
+                <a:latin typeface="Söhne"/>
+              </a:rPr>
+              <a:t>: </a:t>
+            </a:r>
+            <a:r>
+              <a:rPr lang="en-ID" b="0" i="0" dirty="0" err="1">
+                <a:solidFill>
+                  <a:schemeClr val="tx1"/>
+                </a:solidFill>
+                <a:effectLst/>
+                <a:latin typeface="Söhne"/>
+              </a:rPr>
+              <a:t>Setiap</a:t>
+            </a:r>
+            <a:r>
+              <a:rPr lang="en-ID" b="0" i="0" dirty="0">
+                <a:solidFill>
+                  <a:schemeClr val="tx1"/>
+                </a:solidFill>
+                <a:effectLst/>
+                <a:latin typeface="Söhne"/>
+              </a:rPr>
+              <a:t> </a:t>
+            </a:r>
+            <a:r>
+              <a:rPr lang="en-ID" b="0" i="0" dirty="0" err="1">
+                <a:solidFill>
+                  <a:schemeClr val="tx1"/>
+                </a:solidFill>
+                <a:effectLst/>
+                <a:latin typeface="Söhne"/>
+              </a:rPr>
+              <a:t>aplikasi</a:t>
+            </a:r>
+            <a:r>
+              <a:rPr lang="en-ID" b="0" i="0" dirty="0">
+                <a:solidFill>
+                  <a:schemeClr val="tx1"/>
+                </a:solidFill>
+                <a:effectLst/>
+                <a:latin typeface="Söhne"/>
+              </a:rPr>
+              <a:t> PyQt5 </a:t>
+            </a:r>
+            <a:r>
+              <a:rPr lang="en-ID" b="0" i="0" dirty="0" err="1">
+                <a:solidFill>
+                  <a:schemeClr val="tx1"/>
+                </a:solidFill>
+                <a:effectLst/>
+                <a:latin typeface="Söhne"/>
+              </a:rPr>
+              <a:t>dimulai</a:t>
+            </a:r>
+            <a:r>
+              <a:rPr lang="en-ID" b="0" i="0" dirty="0">
+                <a:solidFill>
+                  <a:schemeClr val="tx1"/>
+                </a:solidFill>
+                <a:effectLst/>
+                <a:latin typeface="Söhne"/>
+              </a:rPr>
+              <a:t> </a:t>
+            </a:r>
+            <a:r>
+              <a:rPr lang="en-ID" b="0" i="0" dirty="0" err="1">
+                <a:solidFill>
+                  <a:schemeClr val="tx1"/>
+                </a:solidFill>
+                <a:effectLst/>
+                <a:latin typeface="Söhne"/>
+              </a:rPr>
+              <a:t>dengan</a:t>
+            </a:r>
+            <a:r>
+              <a:rPr lang="en-ID" b="0" i="0" dirty="0">
+                <a:solidFill>
+                  <a:schemeClr val="tx1"/>
+                </a:solidFill>
+                <a:effectLst/>
+                <a:latin typeface="Söhne"/>
+              </a:rPr>
+              <a:t> </a:t>
+            </a:r>
+            <a:r>
+              <a:rPr lang="en-ID" b="0" i="0" dirty="0" err="1">
+                <a:solidFill>
+                  <a:schemeClr val="tx1"/>
+                </a:solidFill>
+                <a:effectLst/>
+                <a:latin typeface="Söhne"/>
+              </a:rPr>
+              <a:t>membuat</a:t>
+            </a:r>
+            <a:r>
+              <a:rPr lang="en-ID" b="0" i="0" dirty="0">
+                <a:solidFill>
+                  <a:schemeClr val="tx1"/>
+                </a:solidFill>
+                <a:effectLst/>
+                <a:latin typeface="Söhne"/>
+              </a:rPr>
+              <a:t> </a:t>
+            </a:r>
+            <a:r>
+              <a:rPr lang="en-ID" b="0" i="0" dirty="0" err="1">
+                <a:solidFill>
+                  <a:schemeClr val="tx1"/>
+                </a:solidFill>
+                <a:effectLst/>
+                <a:latin typeface="Söhne"/>
+              </a:rPr>
+              <a:t>aplikasi</a:t>
+            </a:r>
+            <a:r>
+              <a:rPr lang="en-ID" b="0" i="0" dirty="0">
+                <a:solidFill>
+                  <a:schemeClr val="tx1"/>
+                </a:solidFill>
+                <a:effectLst/>
+                <a:latin typeface="Söhne"/>
+              </a:rPr>
+              <a:t>. </a:t>
+            </a:r>
+            <a:r>
+              <a:rPr lang="en-ID" b="0" i="0" dirty="0" err="1">
+                <a:solidFill>
+                  <a:schemeClr val="tx1"/>
+                </a:solidFill>
+                <a:effectLst/>
+                <a:latin typeface="Söhne"/>
+              </a:rPr>
+              <a:t>Ini</a:t>
+            </a:r>
+            <a:r>
+              <a:rPr lang="en-ID" b="0" i="0" dirty="0">
+                <a:solidFill>
+                  <a:schemeClr val="tx1"/>
+                </a:solidFill>
+                <a:effectLst/>
+                <a:latin typeface="Söhne"/>
+              </a:rPr>
+              <a:t> </a:t>
+            </a:r>
+            <a:r>
+              <a:rPr lang="en-ID" b="0" i="0" dirty="0" err="1">
+                <a:solidFill>
+                  <a:schemeClr val="tx1"/>
+                </a:solidFill>
+                <a:effectLst/>
+                <a:latin typeface="Söhne"/>
+              </a:rPr>
+              <a:t>dilakukan</a:t>
+            </a:r>
+            <a:r>
+              <a:rPr lang="en-ID" b="0" i="0" dirty="0">
+                <a:solidFill>
+                  <a:schemeClr val="tx1"/>
+                </a:solidFill>
+                <a:effectLst/>
+                <a:latin typeface="Söhne"/>
+              </a:rPr>
+              <a:t> </a:t>
+            </a:r>
+            <a:r>
+              <a:rPr lang="en-ID" b="0" i="0" dirty="0" err="1">
+                <a:solidFill>
+                  <a:schemeClr val="tx1"/>
+                </a:solidFill>
+                <a:effectLst/>
+                <a:latin typeface="Söhne"/>
+              </a:rPr>
+              <a:t>dengan</a:t>
+            </a:r>
+            <a:r>
+              <a:rPr lang="en-ID" b="0" i="0" dirty="0">
+                <a:solidFill>
+                  <a:schemeClr val="tx1"/>
+                </a:solidFill>
+                <a:effectLst/>
+                <a:latin typeface="Söhne"/>
+              </a:rPr>
+              <a:t> </a:t>
+            </a:r>
+            <a:r>
+              <a:rPr lang="en-ID" b="0" i="0" dirty="0" err="1">
+                <a:solidFill>
+                  <a:schemeClr val="tx1"/>
+                </a:solidFill>
+                <a:effectLst/>
+                <a:latin typeface="Söhne"/>
+              </a:rPr>
+              <a:t>membuat</a:t>
+            </a:r>
+            <a:r>
+              <a:rPr lang="en-ID" b="0" i="0" dirty="0">
+                <a:solidFill>
+                  <a:schemeClr val="tx1"/>
+                </a:solidFill>
+                <a:effectLst/>
+                <a:latin typeface="Söhne"/>
+              </a:rPr>
+              <a:t> instance </a:t>
+            </a:r>
+            <a:r>
+              <a:rPr lang="en-ID" b="0" i="0" dirty="0" err="1">
+                <a:solidFill>
+                  <a:schemeClr val="tx1"/>
+                </a:solidFill>
+                <a:effectLst/>
+                <a:latin typeface="Söhne"/>
+              </a:rPr>
+              <a:t>dari</a:t>
+            </a:r>
+            <a:r>
+              <a:rPr lang="en-ID" b="0" i="0" dirty="0">
+                <a:solidFill>
+                  <a:schemeClr val="tx1"/>
+                </a:solidFill>
+                <a:effectLst/>
+                <a:latin typeface="Söhne"/>
+              </a:rPr>
+              <a:t> </a:t>
+            </a:r>
+            <a:r>
+              <a:rPr lang="en-ID" b="0" i="0" dirty="0" err="1">
+                <a:solidFill>
+                  <a:schemeClr val="tx1"/>
+                </a:solidFill>
+                <a:effectLst/>
+                <a:latin typeface="Söhne"/>
+              </a:rPr>
+              <a:t>QApplication</a:t>
+            </a:r>
+            <a:r>
+              <a:rPr lang="en-ID" b="0" i="0" dirty="0">
+                <a:solidFill>
+                  <a:schemeClr val="tx1"/>
+                </a:solidFill>
+                <a:effectLst/>
+                <a:latin typeface="Söhne"/>
+              </a:rPr>
+              <a:t>.</a:t>
+            </a:r>
+          </a:p>
+          <a:p>
+            <a:endParaRPr lang="en-US" dirty="0">
+              <a:solidFill>
+                <a:schemeClr val="tx1"/>
+              </a:solidFill>
+            </a:endParaRPr>
+          </a:p>
+        </p:txBody>
+      </p:sp>
+      <p:pic>
+        <p:nvPicPr>
+          <p:cNvPr id="6" name="Picture 5">
+            <a:extLst>
+              <a:ext uri="{FF2B5EF4-FFF2-40B4-BE49-F238E27FC236}">
+                <a16:creationId xmlns:a16="http://schemas.microsoft.com/office/drawing/2014/main" id="{C538544D-43CB-BADF-D960-D02553376D8F}"/>
+              </a:ext>
+            </a:extLst>
+          </p:cNvPr>
+          <p:cNvPicPr>
+            <a:picLocks noChangeAspect="1"/>
+          </p:cNvPicPr>
+          <p:nvPr/>
+        </p:nvPicPr>
+        <p:blipFill>
+          <a:blip r:embed="rId2"/>
+          <a:stretch>
+            <a:fillRect/>
+          </a:stretch>
+        </p:blipFill>
+        <p:spPr>
+          <a:xfrm>
+            <a:off x="2468547" y="1923395"/>
+            <a:ext cx="4562744" cy="2124354"/>
+          </a:xfrm>
+          <a:prstGeom prst="rect">
+            <a:avLst/>
+          </a:prstGeom>
+        </p:spPr>
+      </p:pic>
+    </p:spTree>
+    <p:extLst>
+      <p:ext uri="{BB962C8B-B14F-4D97-AF65-F5344CB8AC3E}">
+        <p14:creationId xmlns:p14="http://schemas.microsoft.com/office/powerpoint/2010/main" val="2981026535"/>
+      </p:ext>
+    </p:extLst>
+  </p:cSld>
+  <p:clrMapOvr>
+    <a:masterClrMapping/>
+  </p:clrMapOvr>
+</p:sld>
+</file>
+
+<file path=ppt/slides/slide9.xml><?xml version="1.0" encoding="utf-8"?>
+<p:sld xmlns:a="http://schemas.openxmlformats.org/drawingml/2006/main" xmlns:r="http://schemas.openxmlformats.org/officeDocument/2006/relationships" xmlns:p="http://schemas.openxmlformats.org/presentationml/2006/main">
+  <p:cSld>
+    <p:spTree>
+      <p:nvGrpSpPr>
+        <p:cNvPr id="1" name=""/>
+        <p:cNvGrpSpPr/>
+        <p:nvPr/>
+      </p:nvGrpSpPr>
+      <p:grpSpPr>
+        <a:xfrm>
+          <a:off x="0" y="0"/>
+          <a:ext cx="0" cy="0"/>
+          <a:chOff x="0" y="0"/>
+          <a:chExt cx="0" cy="0"/>
+        </a:xfrm>
+      </p:grpSpPr>
+      <p:sp>
+        <p:nvSpPr>
+          <p:cNvPr id="2" name="Title 1">
+            <a:extLst>
+              <a:ext uri="{FF2B5EF4-FFF2-40B4-BE49-F238E27FC236}">
+                <a16:creationId xmlns:a16="http://schemas.microsoft.com/office/drawing/2014/main" id="{68325738-7BCD-D9CC-618D-7D7E3679577F}"/>
+              </a:ext>
+            </a:extLst>
+          </p:cNvPr>
+          <p:cNvSpPr>
+            <a:spLocks noGrp="1"/>
+          </p:cNvSpPr>
+          <p:nvPr>
+            <p:ph type="title"/>
+          </p:nvPr>
+        </p:nvSpPr>
+        <p:spPr/>
+        <p:txBody>
+          <a:bodyPr/>
+          <a:lstStyle/>
+          <a:p>
+            <a:endParaRPr lang="en-US"/>
+          </a:p>
+        </p:txBody>
+      </p:sp>
+      <p:sp>
+        <p:nvSpPr>
+          <p:cNvPr id="3" name="Text Placeholder 2">
+            <a:extLst>
+              <a:ext uri="{FF2B5EF4-FFF2-40B4-BE49-F238E27FC236}">
+                <a16:creationId xmlns:a16="http://schemas.microsoft.com/office/drawing/2014/main" id="{E0D7C55D-D0C7-21DB-769E-B79C027DD57A}"/>
+              </a:ext>
+            </a:extLst>
+          </p:cNvPr>
+          <p:cNvSpPr>
+            <a:spLocks noGrp="1"/>
+          </p:cNvSpPr>
+          <p:nvPr>
+            <p:ph type="body" idx="1"/>
+          </p:nvPr>
+        </p:nvSpPr>
+        <p:spPr/>
+        <p:txBody>
+          <a:bodyPr/>
+          <a:lstStyle/>
+          <a:p>
+            <a:r>
+              <a:rPr lang="en-ID" b="1" i="0" dirty="0" err="1">
+                <a:solidFill>
+                  <a:schemeClr val="tx1"/>
+                </a:solidFill>
+                <a:effectLst/>
+                <a:latin typeface="Söhne"/>
+              </a:rPr>
+              <a:t>Membuat</a:t>
+            </a:r>
+            <a:r>
+              <a:rPr lang="en-ID" b="1" i="0" dirty="0">
+                <a:solidFill>
+                  <a:schemeClr val="tx1"/>
+                </a:solidFill>
+                <a:effectLst/>
+                <a:latin typeface="Söhne"/>
+              </a:rPr>
+              <a:t> Window</a:t>
+            </a:r>
+            <a:r>
+              <a:rPr lang="en-ID" b="0" i="0" dirty="0">
+                <a:solidFill>
+                  <a:schemeClr val="tx1"/>
+                </a:solidFill>
+                <a:effectLst/>
+                <a:latin typeface="Söhne"/>
+              </a:rPr>
+              <a:t>: </a:t>
+            </a:r>
+            <a:r>
+              <a:rPr lang="en-ID" b="0" i="0" dirty="0" err="1">
+                <a:solidFill>
+                  <a:schemeClr val="tx1"/>
+                </a:solidFill>
+                <a:effectLst/>
+                <a:latin typeface="Söhne"/>
+              </a:rPr>
+              <a:t>Setelah</a:t>
+            </a:r>
+            <a:r>
+              <a:rPr lang="en-ID" b="0" i="0" dirty="0">
+                <a:solidFill>
+                  <a:schemeClr val="tx1"/>
+                </a:solidFill>
+                <a:effectLst/>
+                <a:latin typeface="Söhne"/>
+              </a:rPr>
+              <a:t> </a:t>
+            </a:r>
+            <a:r>
+              <a:rPr lang="en-ID" b="0" i="0" dirty="0" err="1">
+                <a:solidFill>
+                  <a:schemeClr val="tx1"/>
+                </a:solidFill>
+                <a:effectLst/>
+                <a:latin typeface="Söhne"/>
+              </a:rPr>
+              <a:t>aplikasi</a:t>
+            </a:r>
+            <a:r>
+              <a:rPr lang="en-ID" b="0" i="0" dirty="0">
+                <a:solidFill>
+                  <a:schemeClr val="tx1"/>
+                </a:solidFill>
+                <a:effectLst/>
+                <a:latin typeface="Söhne"/>
+              </a:rPr>
+              <a:t> </a:t>
+            </a:r>
+            <a:r>
+              <a:rPr lang="en-ID" b="0" i="0" dirty="0" err="1">
+                <a:solidFill>
+                  <a:schemeClr val="tx1"/>
+                </a:solidFill>
+                <a:effectLst/>
+                <a:latin typeface="Söhne"/>
+              </a:rPr>
+              <a:t>dibuat</a:t>
+            </a:r>
+            <a:r>
+              <a:rPr lang="en-ID" b="0" i="0" dirty="0">
+                <a:solidFill>
+                  <a:schemeClr val="tx1"/>
+                </a:solidFill>
+                <a:effectLst/>
+                <a:latin typeface="Söhne"/>
+              </a:rPr>
+              <a:t>, </a:t>
+            </a:r>
+            <a:r>
+              <a:rPr lang="en-ID" b="0" i="0" dirty="0" err="1">
+                <a:solidFill>
+                  <a:schemeClr val="tx1"/>
+                </a:solidFill>
+                <a:effectLst/>
+                <a:latin typeface="Söhne"/>
+              </a:rPr>
+              <a:t>kita</a:t>
+            </a:r>
+            <a:r>
+              <a:rPr lang="en-ID" b="0" i="0" dirty="0">
+                <a:solidFill>
+                  <a:schemeClr val="tx1"/>
+                </a:solidFill>
+                <a:effectLst/>
+                <a:latin typeface="Söhne"/>
+              </a:rPr>
+              <a:t> </a:t>
+            </a:r>
+            <a:r>
+              <a:rPr lang="en-ID" b="0" i="0" dirty="0" err="1">
+                <a:solidFill>
+                  <a:schemeClr val="tx1"/>
+                </a:solidFill>
+                <a:effectLst/>
+                <a:latin typeface="Söhne"/>
+              </a:rPr>
+              <a:t>perlu</a:t>
+            </a:r>
+            <a:r>
+              <a:rPr lang="en-ID" b="0" i="0" dirty="0">
+                <a:solidFill>
+                  <a:schemeClr val="tx1"/>
+                </a:solidFill>
+                <a:effectLst/>
+                <a:latin typeface="Söhne"/>
+              </a:rPr>
+              <a:t> </a:t>
+            </a:r>
+            <a:r>
+              <a:rPr lang="en-ID" b="0" i="0" dirty="0" err="1">
+                <a:solidFill>
+                  <a:schemeClr val="tx1"/>
+                </a:solidFill>
+                <a:effectLst/>
+                <a:latin typeface="Söhne"/>
+              </a:rPr>
+              <a:t>membuat</a:t>
+            </a:r>
+            <a:r>
+              <a:rPr lang="en-ID" b="0" i="0" dirty="0">
+                <a:solidFill>
+                  <a:schemeClr val="tx1"/>
+                </a:solidFill>
+                <a:effectLst/>
+                <a:latin typeface="Söhne"/>
+              </a:rPr>
+              <a:t> window. </a:t>
+            </a:r>
+            <a:r>
+              <a:rPr lang="en-ID" b="0" i="0" dirty="0" err="1">
+                <a:solidFill>
+                  <a:schemeClr val="tx1"/>
+                </a:solidFill>
+                <a:effectLst/>
+                <a:latin typeface="Söhne"/>
+              </a:rPr>
+              <a:t>bisa</a:t>
+            </a:r>
+            <a:r>
+              <a:rPr lang="en-ID" b="0" i="0" dirty="0">
+                <a:solidFill>
+                  <a:schemeClr val="tx1"/>
+                </a:solidFill>
+                <a:effectLst/>
+                <a:latin typeface="Söhne"/>
+              </a:rPr>
+              <a:t> </a:t>
+            </a:r>
+            <a:r>
+              <a:rPr lang="en-ID" b="0" i="0" dirty="0" err="1">
+                <a:solidFill>
+                  <a:schemeClr val="tx1"/>
+                </a:solidFill>
+                <a:effectLst/>
+                <a:latin typeface="Söhne"/>
+              </a:rPr>
+              <a:t>berupa</a:t>
+            </a:r>
+            <a:r>
+              <a:rPr lang="en-ID" b="0" i="0" dirty="0">
+                <a:solidFill>
+                  <a:schemeClr val="tx1"/>
+                </a:solidFill>
+                <a:effectLst/>
+                <a:latin typeface="Söhne"/>
+              </a:rPr>
+              <a:t> </a:t>
+            </a:r>
+            <a:r>
+              <a:rPr lang="en-ID" b="0" i="0" dirty="0" err="1">
+                <a:solidFill>
+                  <a:schemeClr val="tx1"/>
+                </a:solidFill>
+                <a:effectLst/>
+                <a:latin typeface="Söhne"/>
+              </a:rPr>
+              <a:t>QMainWindow</a:t>
+            </a:r>
+            <a:r>
+              <a:rPr lang="en-ID" b="0" i="0" dirty="0">
+                <a:solidFill>
+                  <a:schemeClr val="tx1"/>
+                </a:solidFill>
+                <a:effectLst/>
+                <a:latin typeface="Söhne"/>
+              </a:rPr>
+              <a:t>, </a:t>
+            </a:r>
+            <a:r>
+              <a:rPr lang="en-ID" b="0" i="0" dirty="0" err="1">
+                <a:solidFill>
+                  <a:schemeClr val="tx1"/>
+                </a:solidFill>
+                <a:effectLst/>
+                <a:latin typeface="Söhne"/>
+              </a:rPr>
+              <a:t>QWidget</a:t>
+            </a:r>
+            <a:r>
+              <a:rPr lang="en-ID" b="0" i="0" dirty="0">
+                <a:solidFill>
+                  <a:schemeClr val="tx1"/>
+                </a:solidFill>
+                <a:effectLst/>
+                <a:latin typeface="Söhne"/>
+              </a:rPr>
+              <a:t>, </a:t>
+            </a:r>
+            <a:r>
+              <a:rPr lang="en-ID" b="0" i="0" dirty="0" err="1">
+                <a:solidFill>
+                  <a:schemeClr val="tx1"/>
+                </a:solidFill>
+                <a:effectLst/>
+                <a:latin typeface="Söhne"/>
+              </a:rPr>
+              <a:t>atau</a:t>
+            </a:r>
+            <a:r>
+              <a:rPr lang="en-ID" b="0" i="0" dirty="0">
+                <a:solidFill>
+                  <a:schemeClr val="tx1"/>
+                </a:solidFill>
+                <a:effectLst/>
+                <a:latin typeface="Söhne"/>
+              </a:rPr>
+              <a:t> </a:t>
+            </a:r>
+            <a:r>
+              <a:rPr lang="en-ID" b="0" i="0" dirty="0" err="1">
+                <a:solidFill>
+                  <a:schemeClr val="tx1"/>
+                </a:solidFill>
+                <a:effectLst/>
+                <a:latin typeface="Söhne"/>
+              </a:rPr>
+              <a:t>QDialog</a:t>
+            </a:r>
+            <a:r>
+              <a:rPr lang="en-ID" b="0" i="0" dirty="0">
+                <a:solidFill>
+                  <a:schemeClr val="tx1"/>
+                </a:solidFill>
+                <a:effectLst/>
+                <a:latin typeface="Söhne"/>
+              </a:rPr>
+              <a:t>, </a:t>
+            </a:r>
+            <a:endParaRPr lang="en-US" dirty="0">
+              <a:solidFill>
+                <a:schemeClr val="tx1"/>
+              </a:solidFill>
+            </a:endParaRPr>
+          </a:p>
+        </p:txBody>
+      </p:sp>
+      <p:pic>
+        <p:nvPicPr>
+          <p:cNvPr id="4" name="Picture 3">
+            <a:extLst>
+              <a:ext uri="{FF2B5EF4-FFF2-40B4-BE49-F238E27FC236}">
+                <a16:creationId xmlns:a16="http://schemas.microsoft.com/office/drawing/2014/main" id="{FABB9B06-5034-3B12-7A79-86DDABB4003B}"/>
+              </a:ext>
+            </a:extLst>
+          </p:cNvPr>
+          <p:cNvPicPr>
+            <a:picLocks noChangeAspect="1"/>
+          </p:cNvPicPr>
+          <p:nvPr/>
+        </p:nvPicPr>
+        <p:blipFill>
+          <a:blip r:embed="rId2"/>
+          <a:stretch>
+            <a:fillRect/>
+          </a:stretch>
+        </p:blipFill>
+        <p:spPr>
+          <a:xfrm>
+            <a:off x="1830538" y="1791236"/>
+            <a:ext cx="5482924" cy="2785858"/>
+          </a:xfrm>
+          <a:prstGeom prst="rect">
+            <a:avLst/>
+          </a:prstGeom>
+        </p:spPr>
+      </p:pic>
+      <p:sp>
+        <p:nvSpPr>
+          <p:cNvPr id="5" name="Rectangle 4">
+            <a:extLst>
+              <a:ext uri="{FF2B5EF4-FFF2-40B4-BE49-F238E27FC236}">
+                <a16:creationId xmlns:a16="http://schemas.microsoft.com/office/drawing/2014/main" id="{DBEEADA5-E76C-3902-9908-D8C41B8CC800}"/>
+              </a:ext>
+            </a:extLst>
+          </p:cNvPr>
+          <p:cNvSpPr/>
+          <p:nvPr/>
+        </p:nvSpPr>
+        <p:spPr>
+          <a:xfrm>
+            <a:off x="2611463" y="3479369"/>
+            <a:ext cx="2456482" cy="240224"/>
+          </a:xfrm>
+          <a:prstGeom prst="rect">
+            <a:avLst/>
+          </a:prstGeom>
+          <a:noFill/>
+        </p:spPr>
+        <p:style>
+          <a:lnRef idx="2">
+            <a:schemeClr val="accent6"/>
+          </a:lnRef>
+          <a:fillRef idx="1">
+            <a:schemeClr val="lt1"/>
+          </a:fillRef>
+          <a:effectRef idx="0">
+            <a:schemeClr val="accent6"/>
+          </a:effectRef>
+          <a:fontRef idx="minor">
+            <a:schemeClr val="dk1"/>
+          </a:fontRef>
+        </p:style>
+        <p:txBody>
+          <a:bodyPr rtlCol="0" anchor="ctr"/>
+          <a:lstStyle/>
+          <a:p>
+            <a:pPr algn="ctr"/>
+            <a:endParaRPr lang="en-US"/>
           </a:p>
         </p:txBody>
       </p:sp>
     </p:spTree>
     <p:extLst>
       <p:ext uri="{BB962C8B-B14F-4D97-AF65-F5344CB8AC3E}">
-        <p14:creationId xmlns:p14="http://schemas.microsoft.com/office/powerpoint/2010/main" val="1471665288"/>
+        <p14:creationId xmlns:p14="http://schemas.microsoft.com/office/powerpoint/2010/main" val="1194412289"/>
       </p:ext>
     </p:extLst>
   </p:cSld>
